--- a/slides/Lecture_03_DiscreteDeterministic.pptx
+++ b/slides/Lecture_03_DiscreteDeterministic.pptx
@@ -5,27 +5,28 @@
     <p:sldMasterId id="2147483648" r:id="rId1"/>
   </p:sldMasterIdLst>
   <p:notesMasterIdLst>
-    <p:notesMasterId r:id="rId20"/>
+    <p:notesMasterId r:id="rId21"/>
   </p:notesMasterIdLst>
   <p:sldIdLst>
     <p:sldId id="256" r:id="rId2"/>
     <p:sldId id="257" r:id="rId3"/>
     <p:sldId id="258" r:id="rId4"/>
-    <p:sldId id="273" r:id="rId5"/>
-    <p:sldId id="259" r:id="rId6"/>
-    <p:sldId id="260" r:id="rId7"/>
-    <p:sldId id="261" r:id="rId8"/>
-    <p:sldId id="262" r:id="rId9"/>
-    <p:sldId id="263" r:id="rId10"/>
-    <p:sldId id="264" r:id="rId11"/>
-    <p:sldId id="266" r:id="rId12"/>
-    <p:sldId id="267" r:id="rId13"/>
-    <p:sldId id="268" r:id="rId14"/>
-    <p:sldId id="269" r:id="rId15"/>
-    <p:sldId id="270" r:id="rId16"/>
-    <p:sldId id="271" r:id="rId17"/>
-    <p:sldId id="272" r:id="rId18"/>
-    <p:sldId id="275" r:id="rId19"/>
+    <p:sldId id="276" r:id="rId5"/>
+    <p:sldId id="273" r:id="rId6"/>
+    <p:sldId id="259" r:id="rId7"/>
+    <p:sldId id="260" r:id="rId8"/>
+    <p:sldId id="261" r:id="rId9"/>
+    <p:sldId id="262" r:id="rId10"/>
+    <p:sldId id="263" r:id="rId11"/>
+    <p:sldId id="264" r:id="rId12"/>
+    <p:sldId id="266" r:id="rId13"/>
+    <p:sldId id="267" r:id="rId14"/>
+    <p:sldId id="268" r:id="rId15"/>
+    <p:sldId id="269" r:id="rId16"/>
+    <p:sldId id="270" r:id="rId17"/>
+    <p:sldId id="271" r:id="rId18"/>
+    <p:sldId id="272" r:id="rId19"/>
+    <p:sldId id="275" r:id="rId20"/>
   </p:sldIdLst>
   <p:sldSz cx="9144000" cy="6858000" type="screen4x3"/>
   <p:notesSz cx="6858000" cy="9144000"/>
@@ -214,7 +215,7 @@
           <a:p>
             <a:fld id="{0D51ACCD-121E-4361-9E2C-AF07B06B2BA8}" type="datetimeFigureOut">
               <a:rPr lang="en-GB" smtClean="0"/>
-              <a:t>16/04/2023</a:t>
+              <a:t>02/09/2024</a:t>
             </a:fld>
             <a:endParaRPr lang="en-GB"/>
           </a:p>
@@ -2564,361 +2565,440 @@
           </a:p>
         </p:txBody>
       </p:sp>
-      <p:sp>
-        <p:nvSpPr>
-          <p:cNvPr id="3" name="Content Placeholder 2"/>
-          <p:cNvSpPr>
-            <a:spLocks noGrp="1"/>
-          </p:cNvSpPr>
-          <p:nvPr>
-            <p:ph idx="1" hasCustomPrompt="1"/>
-          </p:nvPr>
-        </p:nvSpPr>
-        <p:spPr>
-          <a:xfrm>
-            <a:off x="457200" y="1361436"/>
-            <a:ext cx="8229600" cy="4821382"/>
-          </a:xfrm>
-        </p:spPr>
-        <p:txBody>
-          <a:bodyPr/>
-          <a:lstStyle/>
-          <a:p>
-            <a:pPr marL="0" lvl="1" indent="0">
-              <a:buNone/>
-            </a:pPr>
-            <a:r>
-              <a:rPr lang="en-GB" dirty="0"/>
-              <a:t>In R, we can</a:t>
-            </a:r>
-            <a:r>
-              <a:rPr dirty="0"/>
-              <a:t> write a function to return our update vector with three elements</a:t>
-            </a:r>
-            <a:r>
-              <a:rPr lang="en-GB" dirty="0"/>
-              <a:t>:</a:t>
-            </a:r>
-          </a:p>
-          <a:p>
-            <a:pPr marL="0" lvl="1" indent="0">
-              <a:buNone/>
-            </a:pPr>
-            <a:endParaRPr dirty="0"/>
-          </a:p>
-          <a:p>
-            <a:pPr marL="1270000" lvl="0" indent="0">
-              <a:buNone/>
-            </a:pPr>
-            <a:r>
-              <a:rPr sz="1600" dirty="0" err="1">
-                <a:latin typeface="Courier"/>
-              </a:rPr>
-              <a:t>update_sir</a:t>
-            </a:r>
-            <a:r>
-              <a:rPr sz="1600" dirty="0">
-                <a:latin typeface="Courier"/>
-              </a:rPr>
-              <a:t> &lt;-</a:t>
-            </a:r>
-            <a:r>
-              <a:rPr sz="1600" dirty="0">
-                <a:solidFill>
-                  <a:srgbClr val="4070A0"/>
-                </a:solidFill>
-                <a:latin typeface="Courier"/>
-              </a:rPr>
-              <a:t> </a:t>
-            </a:r>
-            <a:r>
-              <a:rPr sz="1600" b="1" dirty="0">
-                <a:solidFill>
-                  <a:srgbClr val="007020"/>
-                </a:solidFill>
-                <a:latin typeface="Courier"/>
-              </a:rPr>
-              <a:t>function</a:t>
-            </a:r>
-            <a:r>
-              <a:rPr sz="1600" dirty="0">
-                <a:latin typeface="Courier"/>
-              </a:rPr>
-              <a:t>(t, y, </a:t>
-            </a:r>
-            <a:r>
-              <a:rPr sz="1600" dirty="0" err="1">
-                <a:latin typeface="Courier"/>
-              </a:rPr>
-              <a:t>parms</a:t>
-            </a:r>
-            <a:r>
-              <a:rPr sz="1600" dirty="0">
-                <a:latin typeface="Courier"/>
-              </a:rPr>
-              <a:t>){</a:t>
-            </a:r>
-            <a:endParaRPr lang="en-GB" sz="1600" dirty="0">
-              <a:latin typeface="Courier"/>
-            </a:endParaRPr>
-          </a:p>
-          <a:p>
-            <a:pPr marL="1270000" lvl="0" indent="0">
-              <a:buNone/>
-            </a:pPr>
-            <a:r>
-              <a:rPr lang="en-GB" sz="1600" dirty="0">
-                <a:latin typeface="Courier"/>
-              </a:rPr>
-              <a:t>  S &lt;- y[1]</a:t>
-            </a:r>
-          </a:p>
-          <a:p>
-            <a:pPr marL="1270000"/>
-            <a:r>
-              <a:rPr lang="en-GB" sz="1600" dirty="0">
-                <a:latin typeface="Courier"/>
-              </a:rPr>
-              <a:t>  I &lt;- y[2]</a:t>
-            </a:r>
-          </a:p>
-          <a:p>
-            <a:pPr marL="1270000"/>
-            <a:r>
-              <a:rPr lang="en-GB" sz="1600" dirty="0">
-                <a:latin typeface="Courier"/>
-              </a:rPr>
-              <a:t>  R &lt;- y[3]</a:t>
-            </a:r>
-          </a:p>
-          <a:p>
-            <a:pPr marL="1270000" lvl="0" indent="0">
-              <a:buNone/>
-            </a:pPr>
-            <a:endParaRPr lang="en-GB" sz="1600" dirty="0">
-              <a:latin typeface="Courier"/>
-            </a:endParaRPr>
-          </a:p>
-          <a:p>
-            <a:pPr marL="1270000" lvl="0" indent="0">
-              <a:buNone/>
-            </a:pPr>
-            <a:r>
-              <a:rPr sz="1600" dirty="0">
-                <a:latin typeface="Courier"/>
-              </a:rPr>
-              <a:t>  beta  &lt;-</a:t>
-            </a:r>
-            <a:r>
-              <a:rPr sz="1600" dirty="0">
-                <a:solidFill>
-                  <a:srgbClr val="4070A0"/>
-                </a:solidFill>
-                <a:latin typeface="Courier"/>
-              </a:rPr>
-              <a:t> </a:t>
-            </a:r>
-            <a:r>
-              <a:rPr sz="1600" dirty="0" err="1">
-                <a:latin typeface="Courier"/>
-              </a:rPr>
-              <a:t>parms</a:t>
-            </a:r>
-            <a:r>
-              <a:rPr sz="1600" dirty="0">
-                <a:latin typeface="Courier"/>
-              </a:rPr>
-              <a:t>[</a:t>
-            </a:r>
-            <a:r>
-              <a:rPr sz="1600" dirty="0">
-                <a:solidFill>
-                  <a:srgbClr val="4070A0"/>
-                </a:solidFill>
-                <a:latin typeface="Courier"/>
-              </a:rPr>
-              <a:t>'beta'</a:t>
-            </a:r>
-            <a:r>
-              <a:rPr sz="1600" dirty="0">
-                <a:latin typeface="Courier"/>
-              </a:rPr>
-              <a:t>]</a:t>
-            </a:r>
-            <a:br>
-              <a:rPr sz="1600" dirty="0">
-                <a:latin typeface="Courier"/>
-              </a:rPr>
-            </a:br>
-            <a:r>
-              <a:rPr sz="1600" dirty="0">
-                <a:latin typeface="Courier"/>
-              </a:rPr>
-              <a:t>  gamma &lt;-</a:t>
-            </a:r>
-            <a:r>
-              <a:rPr sz="1600" dirty="0">
-                <a:solidFill>
-                  <a:srgbClr val="4070A0"/>
-                </a:solidFill>
-                <a:latin typeface="Courier"/>
-              </a:rPr>
-              <a:t> </a:t>
-            </a:r>
-            <a:r>
-              <a:rPr sz="1600" dirty="0" err="1">
-                <a:latin typeface="Courier"/>
-              </a:rPr>
-              <a:t>parms</a:t>
-            </a:r>
-            <a:r>
-              <a:rPr sz="1600" dirty="0">
-                <a:latin typeface="Courier"/>
-              </a:rPr>
-              <a:t>[</a:t>
-            </a:r>
-            <a:r>
-              <a:rPr sz="1600" dirty="0">
-                <a:solidFill>
-                  <a:srgbClr val="4070A0"/>
-                </a:solidFill>
-                <a:latin typeface="Courier"/>
-              </a:rPr>
-              <a:t>'gamma'</a:t>
-            </a:r>
-            <a:r>
-              <a:rPr sz="1600" dirty="0">
-                <a:latin typeface="Courier"/>
-              </a:rPr>
-              <a:t>]</a:t>
-            </a:r>
-            <a:br>
-              <a:rPr lang="en-GB" sz="1600" dirty="0">
-                <a:latin typeface="Courier"/>
-              </a:rPr>
-            </a:br>
-            <a:br>
-              <a:rPr sz="1600" dirty="0">
-                <a:latin typeface="Courier"/>
-              </a:rPr>
-            </a:br>
-            <a:r>
-              <a:rPr sz="1600" dirty="0">
-                <a:latin typeface="Courier"/>
-              </a:rPr>
-              <a:t>  out &lt;-</a:t>
-            </a:r>
-            <a:r>
-              <a:rPr sz="1600" dirty="0">
-                <a:solidFill>
-                  <a:srgbClr val="4070A0"/>
-                </a:solidFill>
-                <a:latin typeface="Courier"/>
-              </a:rPr>
-              <a:t> </a:t>
-            </a:r>
-            <a:r>
-              <a:rPr sz="1600" b="1" dirty="0">
-                <a:solidFill>
-                  <a:srgbClr val="007020"/>
-                </a:solidFill>
-                <a:latin typeface="Courier"/>
-              </a:rPr>
-              <a:t>c</a:t>
-            </a:r>
-            <a:r>
-              <a:rPr sz="1600" dirty="0">
-                <a:latin typeface="Courier"/>
-              </a:rPr>
-              <a:t>(</a:t>
-            </a:r>
-            <a:r>
-              <a:rPr lang="en-GB" sz="1600" dirty="0">
-                <a:latin typeface="Courier"/>
-              </a:rPr>
-              <a:t>- beta*S*I,</a:t>
-            </a:r>
-          </a:p>
-          <a:p>
-            <a:pPr marL="1270000" lvl="0"/>
-            <a:r>
-              <a:rPr lang="en-GB" sz="1600" dirty="0">
-                <a:latin typeface="Courier"/>
-              </a:rPr>
-              <a:t>           + beta*S*I - gamma*I,</a:t>
-            </a:r>
-          </a:p>
-          <a:p>
-            <a:pPr marL="1270000" lvl="0"/>
-            <a:r>
-              <a:rPr lang="en-GB" sz="1600" dirty="0">
-                <a:latin typeface="Courier"/>
-              </a:rPr>
-              <a:t>           + gamma*I</a:t>
-            </a:r>
-            <a:r>
-              <a:rPr sz="1600" dirty="0">
-                <a:latin typeface="Courier"/>
-              </a:rPr>
-              <a:t>)</a:t>
-            </a:r>
-            <a:br>
-              <a:rPr sz="1600" dirty="0">
-                <a:latin typeface="Courier"/>
-              </a:rPr>
-            </a:br>
-            <a:r>
-              <a:rPr sz="1600" dirty="0">
-                <a:latin typeface="Courier"/>
-              </a:rPr>
-              <a:t>  </a:t>
-            </a:r>
-            <a:br>
-              <a:rPr sz="1600" dirty="0">
-                <a:latin typeface="Courier"/>
-              </a:rPr>
-            </a:br>
-            <a:r>
-              <a:rPr sz="1600" dirty="0">
-                <a:latin typeface="Courier"/>
-              </a:rPr>
-              <a:t>  </a:t>
-            </a:r>
-            <a:r>
-              <a:rPr sz="1600" b="1" dirty="0">
-                <a:solidFill>
-                  <a:srgbClr val="007020"/>
-                </a:solidFill>
-                <a:latin typeface="Courier"/>
-              </a:rPr>
-              <a:t>return</a:t>
-            </a:r>
-            <a:r>
-              <a:rPr sz="1600" dirty="0">
-                <a:latin typeface="Courier"/>
-              </a:rPr>
-              <a:t>(out)</a:t>
-            </a:r>
-            <a:br>
-              <a:rPr sz="1600" dirty="0">
-                <a:latin typeface="Courier"/>
-              </a:rPr>
-            </a:br>
-            <a:r>
-              <a:rPr sz="1600" dirty="0">
-                <a:latin typeface="Courier"/>
-              </a:rPr>
-              <a:t>}</a:t>
-            </a:r>
-          </a:p>
-        </p:txBody>
-      </p:sp>
+      <mc:AlternateContent xmlns:mc="http://schemas.openxmlformats.org/markup-compatibility/2006">
+        <mc:Choice xmlns:a14="http://schemas.microsoft.com/office/drawing/2010/main" Requires="a14">
+          <p:sp>
+            <p:nvSpPr>
+              <p:cNvPr id="3" name="Content Placeholder 2"/>
+              <p:cNvSpPr>
+                <a:spLocks noGrp="1"/>
+              </p:cNvSpPr>
+              <p:nvPr>
+                <p:ph idx="1" hasCustomPrompt="1"/>
+              </p:nvPr>
+            </p:nvSpPr>
+            <p:spPr/>
+            <p:txBody>
+              <a:bodyPr/>
+              <a:lstStyle/>
+              <a:p>
+                <a:pPr marL="0" lvl="1" indent="0">
+                  <a:buNone/>
+                </a:pPr>
+                <a:r>
+                  <a:rPr lang="en-GB" dirty="0"/>
+                  <a:t>This system can also be written in vector form as:</a:t>
+                </a:r>
+              </a:p>
+              <a:p>
+                <a:pPr lvl="1">
+                  <a:buFont typeface="Arial" panose="020B0604020202020204" pitchFamily="34" charset="0"/>
+                  <a:buChar char="•"/>
+                </a:pPr>
+                <a:endParaRPr lang="en-GB" dirty="0"/>
+              </a:p>
+              <a:p>
+                <a:pPr lvl="0"/>
+                <a14:m>
+                  <m:oMathPara xmlns:m="http://schemas.openxmlformats.org/officeDocument/2006/math">
+                    <m:oMathParaPr>
+                      <m:jc m:val="center"/>
+                    </m:oMathParaPr>
+                    <m:oMath xmlns:m="http://schemas.openxmlformats.org/officeDocument/2006/math">
+                      <m:sSub>
+                        <m:sSubPr>
+                          <m:ctrlPr>
+                            <a:rPr lang="ar-AE" i="1">
+                              <a:latin typeface="Cambria Math" panose="02040503050406030204" pitchFamily="18" charset="0"/>
+                            </a:rPr>
+                          </m:ctrlPr>
+                        </m:sSubPr>
+                        <m:e>
+                          <m:d>
+                            <m:dPr>
+                              <m:begChr m:val="["/>
+                              <m:endChr m:val="]"/>
+                              <m:ctrlPr>
+                                <a:rPr lang="ar-AE" i="1">
+                                  <a:latin typeface="Cambria Math" panose="02040503050406030204" pitchFamily="18" charset="0"/>
+                                </a:rPr>
+                              </m:ctrlPr>
+                            </m:dPr>
+                            <m:e>
+                              <m:m>
+                                <m:mPr>
+                                  <m:mcs>
+                                    <m:mc>
+                                      <m:mcPr>
+                                        <m:count m:val="1"/>
+                                        <m:mcJc m:val="center"/>
+                                      </m:mcPr>
+                                    </m:mc>
+                                  </m:mcs>
+                                  <m:ctrlPr>
+                                    <a:rPr lang="ar-AE" i="1">
+                                      <a:latin typeface="Cambria Math" panose="02040503050406030204" pitchFamily="18" charset="0"/>
+                                    </a:rPr>
+                                  </m:ctrlPr>
+                                </m:mPr>
+                                <m:mr>
+                                  <m:e>
+                                    <m:r>
+                                      <a:rPr lang="ar-AE">
+                                        <a:latin typeface="Cambria Math" panose="02040503050406030204" pitchFamily="18" charset="0"/>
+                                      </a:rPr>
+                                      <m:t>𝑆</m:t>
+                                    </m:r>
+                                  </m:e>
+                                </m:mr>
+                                <m:mr>
+                                  <m:e>
+                                    <m:r>
+                                      <a:rPr lang="ar-AE">
+                                        <a:latin typeface="Cambria Math" panose="02040503050406030204" pitchFamily="18" charset="0"/>
+                                      </a:rPr>
+                                      <m:t>𝐼</m:t>
+                                    </m:r>
+                                  </m:e>
+                                </m:mr>
+                                <m:mr>
+                                  <m:e>
+                                    <m:r>
+                                      <a:rPr lang="ar-AE">
+                                        <a:latin typeface="Cambria Math" panose="02040503050406030204" pitchFamily="18" charset="0"/>
+                                      </a:rPr>
+                                      <m:t>𝑅</m:t>
+                                    </m:r>
+                                  </m:e>
+                                </m:mr>
+                              </m:m>
+                            </m:e>
+                          </m:d>
+                        </m:e>
+                        <m:sub>
+                          <m:r>
+                            <a:rPr lang="ar-AE">
+                              <a:latin typeface="Cambria Math" panose="02040503050406030204" pitchFamily="18" charset="0"/>
+                            </a:rPr>
+                            <m:t>𝑡</m:t>
+                          </m:r>
+                          <m:r>
+                            <a:rPr lang="ar-AE">
+                              <a:latin typeface="Cambria Math" panose="02040503050406030204" pitchFamily="18" charset="0"/>
+                            </a:rPr>
+                            <m:t>+1</m:t>
+                          </m:r>
+                        </m:sub>
+                      </m:sSub>
+                      <m:r>
+                        <a:rPr lang="ar-AE">
+                          <a:latin typeface="Cambria Math" panose="02040503050406030204" pitchFamily="18" charset="0"/>
+                        </a:rPr>
+                        <m:t>=</m:t>
+                      </m:r>
+                      <m:sSub>
+                        <m:sSubPr>
+                          <m:ctrlPr>
+                            <a:rPr lang="ar-AE" i="1">
+                              <a:latin typeface="Cambria Math" panose="02040503050406030204" pitchFamily="18" charset="0"/>
+                            </a:rPr>
+                          </m:ctrlPr>
+                        </m:sSubPr>
+                        <m:e>
+                          <m:d>
+                            <m:dPr>
+                              <m:begChr m:val="["/>
+                              <m:endChr m:val="]"/>
+                              <m:ctrlPr>
+                                <a:rPr lang="ar-AE" i="1">
+                                  <a:latin typeface="Cambria Math" panose="02040503050406030204" pitchFamily="18" charset="0"/>
+                                </a:rPr>
+                              </m:ctrlPr>
+                            </m:dPr>
+                            <m:e>
+                              <m:m>
+                                <m:mPr>
+                                  <m:mcs>
+                                    <m:mc>
+                                      <m:mcPr>
+                                        <m:count m:val="1"/>
+                                        <m:mcJc m:val="center"/>
+                                      </m:mcPr>
+                                    </m:mc>
+                                  </m:mcs>
+                                  <m:ctrlPr>
+                                    <a:rPr lang="ar-AE" i="1">
+                                      <a:latin typeface="Cambria Math" panose="02040503050406030204" pitchFamily="18" charset="0"/>
+                                    </a:rPr>
+                                  </m:ctrlPr>
+                                </m:mPr>
+                                <m:mr>
+                                  <m:e>
+                                    <m:r>
+                                      <a:rPr lang="ar-AE">
+                                        <a:latin typeface="Cambria Math" panose="02040503050406030204" pitchFamily="18" charset="0"/>
+                                      </a:rPr>
+                                      <m:t>𝑆</m:t>
+                                    </m:r>
+                                  </m:e>
+                                </m:mr>
+                                <m:mr>
+                                  <m:e>
+                                    <m:r>
+                                      <a:rPr lang="ar-AE">
+                                        <a:latin typeface="Cambria Math" panose="02040503050406030204" pitchFamily="18" charset="0"/>
+                                      </a:rPr>
+                                      <m:t>𝐼</m:t>
+                                    </m:r>
+                                  </m:e>
+                                </m:mr>
+                                <m:mr>
+                                  <m:e>
+                                    <m:r>
+                                      <a:rPr lang="ar-AE">
+                                        <a:latin typeface="Cambria Math" panose="02040503050406030204" pitchFamily="18" charset="0"/>
+                                      </a:rPr>
+                                      <m:t>𝑅</m:t>
+                                    </m:r>
+                                  </m:e>
+                                </m:mr>
+                              </m:m>
+                            </m:e>
+                          </m:d>
+                        </m:e>
+                        <m:sub>
+                          <m:r>
+                            <a:rPr lang="ar-AE">
+                              <a:latin typeface="Cambria Math" panose="02040503050406030204" pitchFamily="18" charset="0"/>
+                            </a:rPr>
+                            <m:t>𝑡</m:t>
+                          </m:r>
+                        </m:sub>
+                      </m:sSub>
+                      <m:r>
+                        <a:rPr lang="ar-AE">
+                          <a:latin typeface="Cambria Math" panose="02040503050406030204" pitchFamily="18" charset="0"/>
+                        </a:rPr>
+                        <m:t>+</m:t>
+                      </m:r>
+                      <m:sSub>
+                        <m:sSubPr>
+                          <m:ctrlPr>
+                            <a:rPr lang="ar-AE" i="1">
+                              <a:latin typeface="Cambria Math" panose="02040503050406030204" pitchFamily="18" charset="0"/>
+                            </a:rPr>
+                          </m:ctrlPr>
+                        </m:sSubPr>
+                        <m:e>
+                          <m:d>
+                            <m:dPr>
+                              <m:begChr m:val="["/>
+                              <m:endChr m:val="]"/>
+                              <m:ctrlPr>
+                                <a:rPr lang="ar-AE" i="1">
+                                  <a:latin typeface="Cambria Math" panose="02040503050406030204" pitchFamily="18" charset="0"/>
+                                </a:rPr>
+                              </m:ctrlPr>
+                            </m:dPr>
+                            <m:e>
+                              <m:m>
+                                <m:mPr>
+                                  <m:mcs>
+                                    <m:mc>
+                                      <m:mcPr>
+                                        <m:count m:val="1"/>
+                                        <m:mcJc m:val="center"/>
+                                      </m:mcPr>
+                                    </m:mc>
+                                  </m:mcs>
+                                  <m:ctrlPr>
+                                    <a:rPr lang="ar-AE" i="1">
+                                      <a:latin typeface="Cambria Math" panose="02040503050406030204" pitchFamily="18" charset="0"/>
+                                    </a:rPr>
+                                  </m:ctrlPr>
+                                </m:mPr>
+                                <m:mr>
+                                  <m:e>
+                                    <m:r>
+                                      <a:rPr lang="ar-AE" smtClean="0">
+                                        <a:solidFill>
+                                          <a:srgbClr val="FF0000"/>
+                                        </a:solidFill>
+                                        <a:latin typeface="Cambria Math" panose="02040503050406030204" pitchFamily="18" charset="0"/>
+                                      </a:rPr>
+                                      <m:t>−</m:t>
+                                    </m:r>
+                                    <m:r>
+                                      <a:rPr lang="ar-AE" smtClean="0">
+                                        <a:solidFill>
+                                          <a:srgbClr val="FF0000"/>
+                                        </a:solidFill>
+                                        <a:latin typeface="Cambria Math" panose="02040503050406030204" pitchFamily="18" charset="0"/>
+                                      </a:rPr>
+                                      <m:t>𝛽</m:t>
+                                    </m:r>
+                                    <m:r>
+                                      <a:rPr lang="ar-AE" smtClean="0">
+                                        <a:solidFill>
+                                          <a:srgbClr val="FF0000"/>
+                                        </a:solidFill>
+                                        <a:latin typeface="Cambria Math" panose="02040503050406030204" pitchFamily="18" charset="0"/>
+                                      </a:rPr>
+                                      <m:t>𝑆𝐼</m:t>
+                                    </m:r>
+                                  </m:e>
+                                </m:mr>
+                                <m:mr>
+                                  <m:e>
+                                    <m:r>
+                                      <a:rPr lang="ar-AE" smtClean="0">
+                                        <a:solidFill>
+                                          <a:srgbClr val="FF0000"/>
+                                        </a:solidFill>
+                                        <a:latin typeface="Cambria Math" panose="02040503050406030204" pitchFamily="18" charset="0"/>
+                                      </a:rPr>
+                                      <m:t>𝛽</m:t>
+                                    </m:r>
+                                    <m:r>
+                                      <a:rPr lang="ar-AE" smtClean="0">
+                                        <a:solidFill>
+                                          <a:srgbClr val="FF0000"/>
+                                        </a:solidFill>
+                                        <a:latin typeface="Cambria Math" panose="02040503050406030204" pitchFamily="18" charset="0"/>
+                                      </a:rPr>
+                                      <m:t>𝑆𝐼</m:t>
+                                    </m:r>
+                                    <m:r>
+                                      <a:rPr lang="ar-AE">
+                                        <a:latin typeface="Cambria Math" panose="02040503050406030204" pitchFamily="18" charset="0"/>
+                                      </a:rPr>
+                                      <m:t>−</m:t>
+                                    </m:r>
+                                    <m:r>
+                                      <a:rPr lang="ar-AE" smtClean="0">
+                                        <a:solidFill>
+                                          <a:srgbClr val="0070C0"/>
+                                        </a:solidFill>
+                                        <a:latin typeface="Cambria Math" panose="02040503050406030204" pitchFamily="18" charset="0"/>
+                                      </a:rPr>
+                                      <m:t>𝛾</m:t>
+                                    </m:r>
+                                    <m:r>
+                                      <a:rPr lang="ar-AE" smtClean="0">
+                                        <a:solidFill>
+                                          <a:srgbClr val="0070C0"/>
+                                        </a:solidFill>
+                                        <a:latin typeface="Cambria Math" panose="02040503050406030204" pitchFamily="18" charset="0"/>
+                                      </a:rPr>
+                                      <m:t>𝐼</m:t>
+                                    </m:r>
+                                  </m:e>
+                                </m:mr>
+                                <m:mr>
+                                  <m:e>
+                                    <m:r>
+                                      <a:rPr lang="ar-AE" smtClean="0">
+                                        <a:solidFill>
+                                          <a:srgbClr val="0070C0"/>
+                                        </a:solidFill>
+                                        <a:latin typeface="Cambria Math" panose="02040503050406030204" pitchFamily="18" charset="0"/>
+                                      </a:rPr>
+                                      <m:t>𝛾</m:t>
+                                    </m:r>
+                                    <m:r>
+                                      <a:rPr lang="ar-AE" smtClean="0">
+                                        <a:solidFill>
+                                          <a:srgbClr val="0070C0"/>
+                                        </a:solidFill>
+                                        <a:latin typeface="Cambria Math" panose="02040503050406030204" pitchFamily="18" charset="0"/>
+                                      </a:rPr>
+                                      <m:t>𝐼</m:t>
+                                    </m:r>
+                                  </m:e>
+                                </m:mr>
+                              </m:m>
+                            </m:e>
+                          </m:d>
+                        </m:e>
+                        <m:sub>
+                          <m:r>
+                            <a:rPr lang="ar-AE">
+                              <a:latin typeface="Cambria Math" panose="02040503050406030204" pitchFamily="18" charset="0"/>
+                            </a:rPr>
+                            <m:t>𝑡</m:t>
+                          </m:r>
+                        </m:sub>
+                      </m:sSub>
+                    </m:oMath>
+                  </m:oMathPara>
+                </a14:m>
+                <a:endParaRPr lang="en-GB" dirty="0">
+                  <a:latin typeface="+mn-lt"/>
+                </a:endParaRPr>
+              </a:p>
+              <a:p>
+                <a:pPr marL="342991" lvl="1" indent="0">
+                  <a:buNone/>
+                </a:pPr>
+                <a:endParaRPr lang="en-GB" dirty="0"/>
+              </a:p>
+              <a:p>
+                <a:pPr marL="0" lvl="1" indent="0">
+                  <a:buNone/>
+                </a:pPr>
+                <a:r>
+                  <a:rPr lang="en-GB" dirty="0"/>
+                  <a:t>Here the subscript indicates the time value and the term on the right is our </a:t>
+                </a:r>
+                <a:r>
+                  <a:rPr lang="en-GB" i="1" dirty="0"/>
+                  <a:t>update vector.</a:t>
+                </a:r>
+                <a:endParaRPr i="1" dirty="0"/>
+              </a:p>
+            </p:txBody>
+          </p:sp>
+        </mc:Choice>
+        <mc:Fallback>
+          <p:sp>
+            <p:nvSpPr>
+              <p:cNvPr id="3" name="Content Placeholder 2"/>
+              <p:cNvSpPr>
+                <a:spLocks noGrp="1" noRot="1" noChangeAspect="1" noMove="1" noResize="1" noEditPoints="1" noAdjustHandles="1" noChangeArrowheads="1" noChangeShapeType="1" noTextEdit="1"/>
+              </p:cNvSpPr>
+              <p:nvPr>
+                <p:ph idx="1" hasCustomPrompt="1"/>
+              </p:nvPr>
+            </p:nvSpPr>
+            <p:spPr>
+              <a:blipFill>
+                <a:blip r:embed="rId2"/>
+                <a:stretch>
+                  <a:fillRect l="-926" t="-789"/>
+                </a:stretch>
+              </a:blipFill>
+            </p:spPr>
+            <p:txBody>
+              <a:bodyPr/>
+              <a:lstStyle/>
+              <a:p>
+                <a:r>
+                  <a:rPr lang="en-US">
+                    <a:noFill/>
+                  </a:rPr>
+                  <a:t> </a:t>
+                </a:r>
+              </a:p>
+            </p:txBody>
+          </p:sp>
+        </mc:Fallback>
+      </mc:AlternateContent>
       <p:sp>
         <p:nvSpPr>
           <p:cNvPr id="2" name="Slide Number Placeholder 1">
             <a:extLst>
               <a:ext uri="{FF2B5EF4-FFF2-40B4-BE49-F238E27FC236}">
-                <a16:creationId xmlns:a16="http://schemas.microsoft.com/office/drawing/2014/main" id="{D6AF41A9-B88D-4EF4-9FD2-B4E53216C811}"/>
+                <a16:creationId xmlns:a16="http://schemas.microsoft.com/office/drawing/2014/main" id="{1AFBD5D8-207F-40A5-96D7-26832638CFD1}"/>
               </a:ext>
             </a:extLst>
           </p:cNvPr>
@@ -2994,7 +3074,7 @@
               <a:buNone/>
             </a:pPr>
             <a:r>
-              <a:t>Discrete-time deterministic SIR</a:t>
+              <a:t>SIR example</a:t>
             </a:r>
           </a:p>
         </p:txBody>
@@ -3011,7 +3091,7 @@
         </p:nvSpPr>
         <p:spPr>
           <a:xfrm>
-            <a:off x="457200" y="1218668"/>
+            <a:off x="457200" y="1361436"/>
             <a:ext cx="8229600" cy="4821382"/>
           </a:xfrm>
         </p:spPr>
@@ -3019,114 +3099,27 @@
           <a:bodyPr/>
           <a:lstStyle/>
           <a:p>
-            <a:pPr marL="1270000"/>
-            <a:r>
-              <a:rPr lang="sv-SE" sz="1600" dirty="0">
-                <a:latin typeface="Courier"/>
-              </a:rPr>
-              <a:t>parms_sir &lt;-</a:t>
-            </a:r>
-            <a:r>
-              <a:rPr lang="sv-SE" sz="1600" dirty="0">
-                <a:solidFill>
-                  <a:srgbClr val="4070A0"/>
-                </a:solidFill>
-                <a:latin typeface="Courier"/>
-              </a:rPr>
-              <a:t> </a:t>
-            </a:r>
-            <a:r>
-              <a:rPr lang="sv-SE" sz="1600" b="1" dirty="0">
-                <a:solidFill>
-                  <a:srgbClr val="007020"/>
-                </a:solidFill>
-                <a:latin typeface="Courier"/>
-              </a:rPr>
-              <a:t>c</a:t>
-            </a:r>
-            <a:r>
-              <a:rPr lang="sv-SE" sz="1600" dirty="0">
-                <a:latin typeface="Courier"/>
-              </a:rPr>
-              <a:t>(</a:t>
-            </a:r>
-            <a:r>
-              <a:rPr lang="sv-SE" sz="1600" dirty="0">
-                <a:solidFill>
-                  <a:srgbClr val="902000"/>
-                </a:solidFill>
-                <a:latin typeface="Courier"/>
-              </a:rPr>
-              <a:t>beta  =</a:t>
-            </a:r>
-            <a:r>
-              <a:rPr lang="sv-SE" sz="1600" dirty="0">
-                <a:latin typeface="Courier"/>
-              </a:rPr>
-              <a:t> </a:t>
-            </a:r>
-            <a:r>
-              <a:rPr lang="sv-SE" sz="1600" dirty="0">
-                <a:solidFill>
-                  <a:srgbClr val="40A070"/>
-                </a:solidFill>
-                <a:latin typeface="Courier"/>
-              </a:rPr>
-              <a:t>1.3</a:t>
-            </a:r>
-            <a:r>
-              <a:rPr lang="sv-SE" sz="1600" dirty="0">
-                <a:latin typeface="Courier"/>
-              </a:rPr>
-              <a:t>,</a:t>
-            </a:r>
-            <a:br>
-              <a:rPr lang="sv-SE" sz="1600" dirty="0">
-                <a:latin typeface="Courier"/>
-              </a:rPr>
-            </a:br>
-            <a:r>
-              <a:rPr lang="sv-SE" sz="1600" dirty="0">
-                <a:latin typeface="Courier"/>
-              </a:rPr>
-              <a:t>               </a:t>
-            </a:r>
-            <a:r>
-              <a:rPr lang="sv-SE" sz="1600" dirty="0">
-                <a:solidFill>
-                  <a:srgbClr val="902000"/>
-                </a:solidFill>
-                <a:latin typeface="Courier"/>
-              </a:rPr>
-              <a:t>gamma =</a:t>
-            </a:r>
-            <a:r>
-              <a:rPr lang="sv-SE" sz="1600" dirty="0">
-                <a:latin typeface="Courier"/>
-              </a:rPr>
-              <a:t> </a:t>
-            </a:r>
-            <a:r>
-              <a:rPr lang="sv-SE" sz="1600" dirty="0">
-                <a:solidFill>
-                  <a:srgbClr val="40A070"/>
-                </a:solidFill>
-                <a:latin typeface="Courier"/>
-              </a:rPr>
-              <a:t>0.23</a:t>
-            </a:r>
-            <a:r>
-              <a:rPr lang="sv-SE" sz="1600" dirty="0">
-                <a:latin typeface="Courier"/>
-              </a:rPr>
-              <a:t>)</a:t>
-            </a:r>
-          </a:p>
-          <a:p>
-            <a:pPr marL="1270000"/>
-            <a:endParaRPr lang="sv-SE" sz="1600" dirty="0">
-              <a:latin typeface="Courier"/>
-            </a:endParaRPr>
+            <a:pPr marL="0" lvl="1" indent="0">
+              <a:buNone/>
+            </a:pPr>
+            <a:r>
+              <a:rPr lang="en-GB" dirty="0"/>
+              <a:t>In R, we can</a:t>
+            </a:r>
+            <a:r>
+              <a:rPr dirty="0"/>
+              <a:t> write a function to return our update vector with three elements</a:t>
+            </a:r>
+            <a:r>
+              <a:rPr lang="en-GB" dirty="0"/>
+              <a:t>:</a:t>
+            </a:r>
+          </a:p>
+          <a:p>
+            <a:pPr marL="0" lvl="1" indent="0">
+              <a:buNone/>
+            </a:pPr>
+            <a:endParaRPr dirty="0"/>
           </a:p>
           <a:p>
             <a:pPr marL="1270000" lvl="0" indent="0">
@@ -3136,122 +3129,13 @@
               <a:rPr sz="1600" dirty="0" err="1">
                 <a:latin typeface="Courier"/>
               </a:rPr>
-              <a:t>time_sir</a:t>
+              <a:t>update_sir</a:t>
             </a:r>
             <a:r>
               <a:rPr sz="1600" dirty="0">
                 <a:latin typeface="Courier"/>
               </a:rPr>
               <a:t> &lt;-</a:t>
-            </a:r>
-            <a:r>
-              <a:rPr sz="1600" dirty="0">
-                <a:solidFill>
-                  <a:srgbClr val="4070A0"/>
-                </a:solidFill>
-                <a:latin typeface="Courier"/>
-              </a:rPr>
-              <a:t> </a:t>
-            </a:r>
-            <a:r>
-              <a:rPr sz="1600" b="1" dirty="0" err="1">
-                <a:solidFill>
-                  <a:srgbClr val="007020"/>
-                </a:solidFill>
-                <a:latin typeface="Courier"/>
-              </a:rPr>
-              <a:t>seq</a:t>
-            </a:r>
-            <a:r>
-              <a:rPr sz="1600" dirty="0">
-                <a:latin typeface="Courier"/>
-              </a:rPr>
-              <a:t>(</a:t>
-            </a:r>
-            <a:r>
-              <a:rPr sz="1600" dirty="0">
-                <a:solidFill>
-                  <a:srgbClr val="40A070"/>
-                </a:solidFill>
-                <a:latin typeface="Courier"/>
-              </a:rPr>
-              <a:t>0</a:t>
-            </a:r>
-            <a:r>
-              <a:rPr sz="1600" dirty="0">
-                <a:latin typeface="Courier"/>
-              </a:rPr>
-              <a:t>, </a:t>
-            </a:r>
-            <a:r>
-              <a:rPr sz="1600" dirty="0">
-                <a:solidFill>
-                  <a:srgbClr val="40A070"/>
-                </a:solidFill>
-                <a:latin typeface="Courier"/>
-              </a:rPr>
-              <a:t>20</a:t>
-            </a:r>
-            <a:r>
-              <a:rPr sz="1600" dirty="0">
-                <a:latin typeface="Courier"/>
-              </a:rPr>
-              <a:t>, </a:t>
-            </a:r>
-            <a:r>
-              <a:rPr sz="1600" dirty="0">
-                <a:solidFill>
-                  <a:srgbClr val="902000"/>
-                </a:solidFill>
-                <a:latin typeface="Courier"/>
-              </a:rPr>
-              <a:t>by =</a:t>
-            </a:r>
-            <a:r>
-              <a:rPr sz="1600" dirty="0">
-                <a:latin typeface="Courier"/>
-              </a:rPr>
-              <a:t> </a:t>
-            </a:r>
-            <a:r>
-              <a:rPr sz="1600" dirty="0">
-                <a:solidFill>
-                  <a:srgbClr val="40A070"/>
-                </a:solidFill>
-                <a:latin typeface="Courier"/>
-              </a:rPr>
-              <a:t>1</a:t>
-            </a:r>
-            <a:r>
-              <a:rPr sz="1600" dirty="0">
-                <a:latin typeface="Courier"/>
-              </a:rPr>
-              <a:t>)</a:t>
-            </a:r>
-            <a:endParaRPr lang="en-GB" sz="1600" dirty="0">
-              <a:latin typeface="Courier"/>
-            </a:endParaRPr>
-          </a:p>
-          <a:p>
-            <a:pPr marL="1270000" lvl="0" indent="0">
-              <a:buNone/>
-            </a:pPr>
-            <a:br>
-              <a:rPr sz="1600" dirty="0">
-                <a:latin typeface="Courier"/>
-              </a:rPr>
-            </a:br>
-            <a:r>
-              <a:rPr sz="1600" dirty="0" err="1">
-                <a:latin typeface="Courier"/>
-              </a:rPr>
-              <a:t>y_sir</a:t>
-            </a:r>
-            <a:r>
-              <a:rPr sz="1600" dirty="0">
-                <a:latin typeface="Courier"/>
-              </a:rPr>
-              <a:t>    &lt;-</a:t>
             </a:r>
             <a:r>
               <a:rPr sz="1600" dirty="0">
@@ -3269,43 +3153,112 @@
                 </a:solidFill>
                 <a:latin typeface="Courier"/>
               </a:rPr>
-              <a:t>matrix</a:t>
-            </a:r>
-            <a:r>
-              <a:rPr sz="1600" dirty="0">
-                <a:latin typeface="Courier"/>
-              </a:rPr>
-              <a:t>(</a:t>
+              <a:t>function</a:t>
+            </a:r>
+            <a:r>
+              <a:rPr sz="1600" dirty="0">
+                <a:latin typeface="Courier"/>
+              </a:rPr>
+              <a:t>(t, y, </a:t>
+            </a:r>
+            <a:r>
+              <a:rPr sz="1600" dirty="0" err="1">
+                <a:latin typeface="Courier"/>
+              </a:rPr>
+              <a:t>parms</a:t>
+            </a:r>
+            <a:r>
+              <a:rPr sz="1600" dirty="0">
+                <a:latin typeface="Courier"/>
+              </a:rPr>
+              <a:t>){</a:t>
+            </a:r>
+            <a:endParaRPr lang="en-GB" sz="1600" dirty="0">
+              <a:latin typeface="Courier"/>
+            </a:endParaRPr>
+          </a:p>
+          <a:p>
+            <a:pPr marL="1270000" lvl="0" indent="0">
+              <a:buNone/>
+            </a:pPr>
+            <a:r>
+              <a:rPr lang="en-GB" sz="1600" dirty="0">
+                <a:latin typeface="Courier"/>
+              </a:rPr>
+              <a:t>  S &lt;- y[1]</a:t>
+            </a:r>
+          </a:p>
+          <a:p>
+            <a:pPr marL="1270000"/>
+            <a:r>
+              <a:rPr lang="en-GB" sz="1600" dirty="0">
+                <a:latin typeface="Courier"/>
+              </a:rPr>
+              <a:t>  I &lt;- y[2]</a:t>
+            </a:r>
+          </a:p>
+          <a:p>
+            <a:pPr marL="1270000"/>
+            <a:r>
+              <a:rPr lang="en-GB" sz="1600" dirty="0">
+                <a:latin typeface="Courier"/>
+              </a:rPr>
+              <a:t>  R &lt;- y[3]</a:t>
+            </a:r>
+          </a:p>
+          <a:p>
+            <a:pPr marL="1270000" lvl="0" indent="0">
+              <a:buNone/>
+            </a:pPr>
+            <a:endParaRPr lang="en-GB" sz="1600" dirty="0">
+              <a:latin typeface="Courier"/>
+            </a:endParaRPr>
+          </a:p>
+          <a:p>
+            <a:pPr marL="1270000" lvl="0" indent="0">
+              <a:buNone/>
+            </a:pPr>
+            <a:r>
+              <a:rPr sz="1600" dirty="0">
+                <a:latin typeface="Courier"/>
+              </a:rPr>
+              <a:t>  beta  &lt;-</a:t>
             </a:r>
             <a:r>
               <a:rPr sz="1600" dirty="0">
                 <a:solidFill>
-                  <a:srgbClr val="902000"/>
+                  <a:srgbClr val="4070A0"/>
                 </a:solidFill>
                 <a:latin typeface="Courier"/>
               </a:rPr>
-              <a:t>data =</a:t>
-            </a:r>
-            <a:r>
-              <a:rPr sz="1600" dirty="0">
-                <a:latin typeface="Courier"/>
-              </a:rPr>
               <a:t> </a:t>
             </a:r>
             <a:r>
+              <a:rPr sz="1600" dirty="0" err="1">
+                <a:latin typeface="Courier"/>
+              </a:rPr>
+              <a:t>parms</a:t>
+            </a:r>
+            <a:r>
+              <a:rPr sz="1600" dirty="0">
+                <a:latin typeface="Courier"/>
+              </a:rPr>
+              <a:t>[</a:t>
+            </a:r>
+            <a:r>
               <a:rPr sz="1600" dirty="0">
                 <a:solidFill>
-                  <a:srgbClr val="007020"/>
+                  <a:srgbClr val="4070A0"/>
                 </a:solidFill>
                 <a:latin typeface="Courier"/>
               </a:rPr>
-              <a:t>NA</a:t>
-            </a:r>
-            <a:r>
-              <a:rPr sz="1600" dirty="0">
-                <a:latin typeface="Courier"/>
-              </a:rPr>
-              <a:t>,</a:t>
+              <a:t>'beta'</a:t>
+            </a:r>
+            <a:r>
+              <a:rPr sz="1600" dirty="0">
+                <a:latin typeface="Courier"/>
+              </a:rPr>
+              <a:t>]</a:t>
             </a:r>
             <a:br>
               <a:rPr sz="1600" dirty="0">
@@ -3316,28 +3269,65 @@
               <a:rPr sz="1600" dirty="0">
                 <a:latin typeface="Courier"/>
               </a:rPr>
-              <a:t>                   </a:t>
+              <a:t>  gamma &lt;-</a:t>
+            </a:r>
+            <a:r>
+              <a:rPr sz="1600" dirty="0">
+                <a:solidFill>
+                  <a:srgbClr val="4070A0"/>
+                </a:solidFill>
+                <a:latin typeface="Courier"/>
+              </a:rPr>
+              <a:t> </a:t>
             </a:r>
             <a:r>
               <a:rPr sz="1600" dirty="0" err="1">
+                <a:latin typeface="Courier"/>
+              </a:rPr>
+              <a:t>parms</a:t>
+            </a:r>
+            <a:r>
+              <a:rPr sz="1600" dirty="0">
+                <a:latin typeface="Courier"/>
+              </a:rPr>
+              <a:t>[</a:t>
+            </a:r>
+            <a:r>
+              <a:rPr sz="1600" dirty="0">
                 <a:solidFill>
-                  <a:srgbClr val="902000"/>
+                  <a:srgbClr val="4070A0"/>
                 </a:solidFill>
                 <a:latin typeface="Courier"/>
               </a:rPr>
-              <a:t>nrow</a:t>
+              <a:t>'gamma'</a:t>
+            </a:r>
+            <a:r>
+              <a:rPr sz="1600" dirty="0">
+                <a:latin typeface="Courier"/>
+              </a:rPr>
+              <a:t>]</a:t>
+            </a:r>
+            <a:br>
+              <a:rPr lang="en-GB" sz="1600" dirty="0">
+                <a:latin typeface="Courier"/>
+              </a:rPr>
+            </a:br>
+            <a:br>
+              <a:rPr sz="1600" dirty="0">
+                <a:latin typeface="Courier"/>
+              </a:rPr>
+            </a:br>
+            <a:r>
+              <a:rPr sz="1600" dirty="0">
+                <a:latin typeface="Courier"/>
+              </a:rPr>
+              <a:t>  out &lt;-</a:t>
             </a:r>
             <a:r>
               <a:rPr sz="1600" dirty="0">
                 <a:solidFill>
-                  <a:srgbClr val="902000"/>
+                  <a:srgbClr val="4070A0"/>
                 </a:solidFill>
-                <a:latin typeface="Courier"/>
-              </a:rPr>
-              <a:t> =</a:t>
-            </a:r>
-            <a:r>
-              <a:rPr sz="1600" dirty="0">
                 <a:latin typeface="Courier"/>
               </a:rPr>
               <a:t> </a:t>
@@ -3349,7 +3339,7 @@
                 </a:solidFill>
                 <a:latin typeface="Courier"/>
               </a:rPr>
-              <a:t>length</a:t>
+              <a:t>c</a:t>
             </a:r>
             <a:r>
               <a:rPr sz="1600" dirty="0">
@@ -3358,16 +3348,34 @@
               <a:t>(</a:t>
             </a:r>
             <a:r>
-              <a:rPr sz="1600" dirty="0" err="1">
-                <a:latin typeface="Courier"/>
-              </a:rPr>
-              <a:t>time_sir</a:t>
-            </a:r>
-            <a:r>
-              <a:rPr sz="1600" dirty="0">
-                <a:latin typeface="Courier"/>
-              </a:rPr>
-              <a:t>),</a:t>
+              <a:rPr lang="en-GB" sz="1600" dirty="0">
+                <a:latin typeface="Courier"/>
+              </a:rPr>
+              <a:t>- beta*S*I,</a:t>
+            </a:r>
+          </a:p>
+          <a:p>
+            <a:pPr marL="1270000" lvl="0"/>
+            <a:r>
+              <a:rPr lang="en-GB" sz="1600" dirty="0">
+                <a:latin typeface="Courier"/>
+              </a:rPr>
+              <a:t>           + beta*S*I - gamma*I,</a:t>
+            </a:r>
+          </a:p>
+          <a:p>
+            <a:pPr marL="1270000" lvl="0"/>
+            <a:r>
+              <a:rPr lang="en-GB" sz="1600" dirty="0">
+                <a:latin typeface="Courier"/>
+              </a:rPr>
+              <a:t>           + gamma*I</a:t>
+            </a:r>
+            <a:r>
+              <a:rPr sz="1600" dirty="0">
+                <a:latin typeface="Courier"/>
+              </a:rPr>
+              <a:t>)</a:t>
             </a:r>
             <a:br>
               <a:rPr sz="1600" dirty="0">
@@ -3378,109 +3386,18 @@
               <a:rPr sz="1600" dirty="0">
                 <a:latin typeface="Courier"/>
               </a:rPr>
-              <a:t>                   </a:t>
-            </a:r>
-            <a:r>
-              <a:rPr sz="1600" dirty="0" err="1">
-                <a:solidFill>
-                  <a:srgbClr val="902000"/>
-                </a:solidFill>
-                <a:latin typeface="Courier"/>
-              </a:rPr>
-              <a:t>ncol</a:t>
-            </a:r>
-            <a:r>
-              <a:rPr sz="1600" dirty="0">
-                <a:solidFill>
-                  <a:srgbClr val="902000"/>
-                </a:solidFill>
-                <a:latin typeface="Courier"/>
-              </a:rPr>
-              <a:t> =</a:t>
-            </a:r>
-            <a:r>
-              <a:rPr sz="1600" dirty="0">
-                <a:latin typeface="Courier"/>
-              </a:rPr>
-              <a:t> </a:t>
-            </a:r>
-            <a:r>
-              <a:rPr sz="1600" dirty="0">
-                <a:solidFill>
-                  <a:srgbClr val="40A070"/>
-                </a:solidFill>
-                <a:latin typeface="Courier"/>
-              </a:rPr>
-              <a:t>3</a:t>
-            </a:r>
-            <a:r>
-              <a:rPr sz="1600" dirty="0">
-                <a:latin typeface="Courier"/>
-              </a:rPr>
-              <a:t>)</a:t>
-            </a:r>
-            <a:endParaRPr lang="en-GB" sz="1600" dirty="0">
-              <a:latin typeface="Courier"/>
-            </a:endParaRPr>
-          </a:p>
-          <a:p>
-            <a:pPr marL="1270000" lvl="0" indent="0">
-              <a:buNone/>
-            </a:pPr>
+              <a:t>  </a:t>
+            </a:r>
             <a:br>
               <a:rPr sz="1600" dirty="0">
                 <a:latin typeface="Courier"/>
               </a:rPr>
             </a:br>
             <a:r>
-              <a:rPr sz="1600" i="1" dirty="0">
-                <a:solidFill>
-                  <a:srgbClr val="60A0B0"/>
-                </a:solidFill>
-                <a:latin typeface="Courier"/>
-              </a:rPr>
-              <a:t># initial values at t=0</a:t>
-            </a:r>
-            <a:br>
-              <a:rPr sz="1600" dirty="0">
-                <a:latin typeface="Courier"/>
-              </a:rPr>
-            </a:br>
-            <a:r>
-              <a:rPr sz="1600" dirty="0" err="1">
-                <a:latin typeface="Courier"/>
-              </a:rPr>
-              <a:t>y_sir</a:t>
-            </a:r>
-            <a:r>
-              <a:rPr sz="1600" dirty="0">
-                <a:latin typeface="Courier"/>
-              </a:rPr>
-              <a:t>[</a:t>
-            </a:r>
-            <a:r>
-              <a:rPr sz="1600" dirty="0">
-                <a:solidFill>
-                  <a:srgbClr val="40A070"/>
-                </a:solidFill>
-                <a:latin typeface="Courier"/>
-              </a:rPr>
-              <a:t>1</a:t>
-            </a:r>
-            <a:r>
-              <a:rPr sz="1600" dirty="0">
-                <a:latin typeface="Courier"/>
-              </a:rPr>
-              <a:t>, ] &lt;-</a:t>
-            </a:r>
-            <a:r>
-              <a:rPr sz="1600" dirty="0">
-                <a:solidFill>
-                  <a:srgbClr val="4070A0"/>
-                </a:solidFill>
-                <a:latin typeface="Courier"/>
-              </a:rPr>
-              <a:t> </a:t>
+              <a:rPr sz="1600" dirty="0">
+                <a:latin typeface="Courier"/>
+              </a:rPr>
+              <a:t>  </a:t>
             </a:r>
             <a:r>
               <a:rPr sz="1600" b="1" dirty="0">
@@ -3489,480 +3406,13 @@
                 </a:solidFill>
                 <a:latin typeface="Courier"/>
               </a:rPr>
-              <a:t>c</a:t>
-            </a:r>
-            <a:r>
-              <a:rPr sz="1600" dirty="0">
-                <a:latin typeface="Courier"/>
-              </a:rPr>
-              <a:t>(</a:t>
-            </a:r>
-            <a:r>
-              <a:rPr sz="1600" dirty="0">
-                <a:solidFill>
-                  <a:srgbClr val="40A070"/>
-                </a:solidFill>
-                <a:latin typeface="Courier"/>
-              </a:rPr>
-              <a:t>0.99</a:t>
-            </a:r>
-            <a:r>
-              <a:rPr sz="1600" dirty="0">
-                <a:latin typeface="Courier"/>
-              </a:rPr>
-              <a:t>, </a:t>
-            </a:r>
-            <a:r>
-              <a:rPr sz="1600" dirty="0">
-                <a:solidFill>
-                  <a:srgbClr val="40A070"/>
-                </a:solidFill>
-                <a:latin typeface="Courier"/>
-              </a:rPr>
-              <a:t>0.01</a:t>
-            </a:r>
-            <a:r>
-              <a:rPr sz="1600" dirty="0">
-                <a:latin typeface="Courier"/>
-              </a:rPr>
-              <a:t>, </a:t>
-            </a:r>
-            <a:r>
-              <a:rPr sz="1600" dirty="0">
-                <a:solidFill>
-                  <a:srgbClr val="40A070"/>
-                </a:solidFill>
-                <a:latin typeface="Courier"/>
-              </a:rPr>
-              <a:t>0</a:t>
-            </a:r>
-            <a:r>
-              <a:rPr sz="1600" dirty="0">
-                <a:latin typeface="Courier"/>
-              </a:rPr>
-              <a:t>) </a:t>
-            </a:r>
-            <a:br>
-              <a:rPr sz="1600" dirty="0">
-                <a:latin typeface="Courier"/>
-              </a:rPr>
-            </a:br>
-            <a:br>
-              <a:rPr sz="1600" dirty="0">
-                <a:latin typeface="Courier"/>
-              </a:rPr>
-            </a:br>
-            <a:r>
-              <a:rPr sz="1600" b="1" dirty="0">
-                <a:solidFill>
-                  <a:srgbClr val="007020"/>
-                </a:solidFill>
-                <a:latin typeface="Courier"/>
-              </a:rPr>
-              <a:t>for</a:t>
-            </a:r>
-            <a:r>
-              <a:rPr sz="1600" dirty="0">
-                <a:latin typeface="Courier"/>
-              </a:rPr>
-              <a:t> (</a:t>
-            </a:r>
-            <a:r>
-              <a:rPr sz="1600" dirty="0" err="1">
-                <a:latin typeface="Courier"/>
-              </a:rPr>
-              <a:t>i</a:t>
-            </a:r>
-            <a:r>
-              <a:rPr sz="1600" dirty="0">
-                <a:latin typeface="Courier"/>
-              </a:rPr>
-              <a:t> </a:t>
-            </a:r>
-            <a:r>
-              <a:rPr sz="1600" b="1" dirty="0">
-                <a:solidFill>
-                  <a:srgbClr val="007020"/>
-                </a:solidFill>
-                <a:latin typeface="Courier"/>
-              </a:rPr>
-              <a:t>in</a:t>
-            </a:r>
-            <a:r>
-              <a:rPr sz="1600" dirty="0">
-                <a:latin typeface="Courier"/>
-              </a:rPr>
-              <a:t> </a:t>
-            </a:r>
-            <a:r>
-              <a:rPr sz="1600" dirty="0">
-                <a:solidFill>
-                  <a:srgbClr val="40A070"/>
-                </a:solidFill>
-                <a:latin typeface="Courier"/>
-              </a:rPr>
-              <a:t>1</a:t>
-            </a:r>
-            <a:r>
-              <a:rPr sz="1600" dirty="0">
-                <a:solidFill>
-                  <a:srgbClr val="666666"/>
-                </a:solidFill>
-                <a:latin typeface="Courier"/>
-              </a:rPr>
-              <a:t>:</a:t>
-            </a:r>
-            <a:r>
-              <a:rPr sz="1600" dirty="0">
-                <a:latin typeface="Courier"/>
-              </a:rPr>
-              <a:t>(</a:t>
-            </a:r>
-            <a:r>
-              <a:rPr sz="1600" b="1" dirty="0" err="1">
-                <a:solidFill>
-                  <a:srgbClr val="007020"/>
-                </a:solidFill>
-                <a:latin typeface="Courier"/>
-              </a:rPr>
-              <a:t>nrow</a:t>
-            </a:r>
-            <a:r>
-              <a:rPr sz="1600" dirty="0">
-                <a:latin typeface="Courier"/>
-              </a:rPr>
-              <a:t>(</a:t>
-            </a:r>
-            <a:r>
-              <a:rPr sz="1600" dirty="0" err="1">
-                <a:latin typeface="Courier"/>
-              </a:rPr>
-              <a:t>y_sir</a:t>
-            </a:r>
-            <a:r>
-              <a:rPr sz="1600" dirty="0">
-                <a:latin typeface="Courier"/>
-              </a:rPr>
-              <a:t>) </a:t>
-            </a:r>
-            <a:r>
-              <a:rPr sz="1600" dirty="0">
-                <a:solidFill>
-                  <a:srgbClr val="666666"/>
-                </a:solidFill>
-                <a:latin typeface="Courier"/>
-              </a:rPr>
-              <a:t>-</a:t>
-            </a:r>
-            <a:r>
-              <a:rPr sz="1600" dirty="0">
-                <a:solidFill>
-                  <a:srgbClr val="4070A0"/>
-                </a:solidFill>
-                <a:latin typeface="Courier"/>
-              </a:rPr>
-              <a:t> </a:t>
-            </a:r>
-            <a:r>
-              <a:rPr sz="1600" dirty="0">
-                <a:solidFill>
-                  <a:srgbClr val="40A070"/>
-                </a:solidFill>
-                <a:latin typeface="Courier"/>
-              </a:rPr>
-              <a:t>1</a:t>
-            </a:r>
-            <a:r>
-              <a:rPr sz="1600" dirty="0">
-                <a:latin typeface="Courier"/>
-              </a:rPr>
-              <a:t>)){</a:t>
-            </a:r>
-            <a:endParaRPr lang="en-GB" sz="1600" dirty="0">
-              <a:latin typeface="Courier"/>
-            </a:endParaRPr>
-          </a:p>
-          <a:p>
-            <a:pPr marL="1270000" lvl="0" indent="0">
-              <a:buNone/>
-            </a:pPr>
-            <a:br>
-              <a:rPr sz="1600" dirty="0">
-                <a:latin typeface="Courier"/>
-              </a:rPr>
-            </a:br>
-            <a:r>
-              <a:rPr sz="1600" dirty="0">
-                <a:latin typeface="Courier"/>
-              </a:rPr>
-              <a:t>  </a:t>
-            </a:r>
-            <a:r>
-              <a:rPr sz="1600" dirty="0" err="1">
-                <a:latin typeface="Courier"/>
-              </a:rPr>
-              <a:t>y_sir</a:t>
-            </a:r>
-            <a:r>
-              <a:rPr sz="1600" dirty="0">
-                <a:latin typeface="Courier"/>
-              </a:rPr>
-              <a:t>[</a:t>
-            </a:r>
-            <a:r>
-              <a:rPr sz="1600" dirty="0" err="1">
-                <a:latin typeface="Courier"/>
-              </a:rPr>
-              <a:t>i</a:t>
-            </a:r>
-            <a:r>
-              <a:rPr sz="1600" dirty="0">
-                <a:latin typeface="Courier"/>
-              </a:rPr>
-              <a:t> </a:t>
-            </a:r>
-            <a:r>
-              <a:rPr sz="1600" dirty="0">
-                <a:solidFill>
-                  <a:srgbClr val="666666"/>
-                </a:solidFill>
-                <a:latin typeface="Courier"/>
-              </a:rPr>
-              <a:t>+</a:t>
-            </a:r>
-            <a:r>
-              <a:rPr sz="1600" dirty="0">
-                <a:solidFill>
-                  <a:srgbClr val="4070A0"/>
-                </a:solidFill>
-                <a:latin typeface="Courier"/>
-              </a:rPr>
-              <a:t> </a:t>
-            </a:r>
-            <a:r>
-              <a:rPr sz="1600" dirty="0">
-                <a:solidFill>
-                  <a:srgbClr val="40A070"/>
-                </a:solidFill>
-                <a:latin typeface="Courier"/>
-              </a:rPr>
-              <a:t>1</a:t>
-            </a:r>
-            <a:r>
-              <a:rPr sz="1600" dirty="0">
-                <a:latin typeface="Courier"/>
-              </a:rPr>
-              <a:t>,] &lt;-</a:t>
-            </a:r>
-            <a:r>
-              <a:rPr sz="1600" dirty="0">
-                <a:solidFill>
-                  <a:srgbClr val="4070A0"/>
-                </a:solidFill>
-                <a:latin typeface="Courier"/>
-              </a:rPr>
-              <a:t> </a:t>
-            </a:r>
-            <a:r>
-              <a:rPr sz="1600" dirty="0" err="1">
-                <a:latin typeface="Courier"/>
-              </a:rPr>
-              <a:t>y_sir</a:t>
-            </a:r>
-            <a:r>
-              <a:rPr sz="1600" dirty="0">
-                <a:latin typeface="Courier"/>
-              </a:rPr>
-              <a:t>[</a:t>
-            </a:r>
-            <a:r>
-              <a:rPr sz="1600" dirty="0" err="1">
-                <a:latin typeface="Courier"/>
-              </a:rPr>
-              <a:t>i</a:t>
-            </a:r>
-            <a:r>
-              <a:rPr sz="1600" dirty="0">
-                <a:latin typeface="Courier"/>
-              </a:rPr>
-              <a:t>,] </a:t>
-            </a:r>
-            <a:r>
-              <a:rPr sz="1600" dirty="0">
-                <a:solidFill>
-                  <a:srgbClr val="666666"/>
-                </a:solidFill>
-                <a:latin typeface="Courier"/>
-              </a:rPr>
-              <a:t>+</a:t>
-            </a:r>
-            <a:br>
-              <a:rPr sz="1600" dirty="0">
-                <a:latin typeface="Courier"/>
-              </a:rPr>
-            </a:br>
-            <a:r>
-              <a:rPr sz="1600" dirty="0">
-                <a:solidFill>
-                  <a:srgbClr val="4070A0"/>
-                </a:solidFill>
-                <a:latin typeface="Courier"/>
-              </a:rPr>
-              <a:t>    </a:t>
-            </a:r>
-            <a:r>
-              <a:rPr sz="1600" b="1" dirty="0" err="1">
-                <a:solidFill>
-                  <a:srgbClr val="007020"/>
-                </a:solidFill>
-                <a:latin typeface="Courier"/>
-              </a:rPr>
-              <a:t>update_sir</a:t>
-            </a:r>
-            <a:r>
-              <a:rPr sz="1600" dirty="0">
-                <a:latin typeface="Courier"/>
-              </a:rPr>
-              <a:t>(</a:t>
-            </a:r>
-            <a:r>
-              <a:rPr lang="en-GB" sz="1600" dirty="0">
-                <a:latin typeface="Courier"/>
-              </a:rPr>
-              <a:t>t     = </a:t>
-            </a:r>
-            <a:r>
-              <a:rPr sz="1600" dirty="0" err="1">
-                <a:latin typeface="Courier"/>
-              </a:rPr>
-              <a:t>time_sir</a:t>
-            </a:r>
-            <a:r>
-              <a:rPr sz="1600" dirty="0">
-                <a:latin typeface="Courier"/>
-              </a:rPr>
-              <a:t>[</a:t>
-            </a:r>
-            <a:r>
-              <a:rPr sz="1600" dirty="0" err="1">
-                <a:latin typeface="Courier"/>
-              </a:rPr>
-              <a:t>i</a:t>
-            </a:r>
-            <a:r>
-              <a:rPr sz="1600" dirty="0">
-                <a:latin typeface="Courier"/>
-              </a:rPr>
-              <a:t> </a:t>
-            </a:r>
-            <a:r>
-              <a:rPr sz="1600" dirty="0">
-                <a:solidFill>
-                  <a:srgbClr val="666666"/>
-                </a:solidFill>
-                <a:latin typeface="Courier"/>
-              </a:rPr>
-              <a:t>+</a:t>
-            </a:r>
-            <a:r>
-              <a:rPr sz="1600" dirty="0">
-                <a:solidFill>
-                  <a:srgbClr val="4070A0"/>
-                </a:solidFill>
-                <a:latin typeface="Courier"/>
-              </a:rPr>
-              <a:t> </a:t>
-            </a:r>
-            <a:r>
-              <a:rPr sz="1600" dirty="0">
-                <a:solidFill>
-                  <a:srgbClr val="40A070"/>
-                </a:solidFill>
-                <a:latin typeface="Courier"/>
-              </a:rPr>
-              <a:t>1</a:t>
-            </a:r>
-            <a:r>
-              <a:rPr sz="1600" dirty="0">
-                <a:latin typeface="Courier"/>
-              </a:rPr>
-              <a:t>],</a:t>
-            </a:r>
-            <a:br>
-              <a:rPr sz="1600" dirty="0">
-                <a:latin typeface="Courier"/>
-              </a:rPr>
-            </a:br>
-            <a:r>
-              <a:rPr sz="1600" dirty="0">
-                <a:latin typeface="Courier"/>
-              </a:rPr>
-              <a:t>               </a:t>
-            </a:r>
-            <a:r>
-              <a:rPr lang="en-GB" sz="1600" dirty="0">
-                <a:latin typeface="Courier"/>
-              </a:rPr>
-              <a:t>y     = </a:t>
-            </a:r>
-            <a:r>
-              <a:rPr sz="1600" dirty="0" err="1">
-                <a:latin typeface="Courier"/>
-              </a:rPr>
-              <a:t>y_sir</a:t>
-            </a:r>
-            <a:r>
-              <a:rPr sz="1600" dirty="0">
-                <a:latin typeface="Courier"/>
-              </a:rPr>
-              <a:t>[</a:t>
-            </a:r>
-            <a:r>
-              <a:rPr sz="1600" dirty="0" err="1">
-                <a:latin typeface="Courier"/>
-              </a:rPr>
-              <a:t>i</a:t>
-            </a:r>
-            <a:r>
-              <a:rPr sz="1600" dirty="0">
-                <a:latin typeface="Courier"/>
-              </a:rPr>
-              <a:t>, ],</a:t>
-            </a:r>
-            <a:br>
-              <a:rPr sz="1600" dirty="0">
-                <a:latin typeface="Courier"/>
-              </a:rPr>
-            </a:br>
-            <a:r>
-              <a:rPr sz="1600" dirty="0">
-                <a:latin typeface="Courier"/>
-              </a:rPr>
-              <a:t>               </a:t>
-            </a:r>
-            <a:r>
-              <a:rPr lang="en-GB" sz="1600" dirty="0" err="1">
-                <a:latin typeface="Courier"/>
-              </a:rPr>
-              <a:t>parms</a:t>
-            </a:r>
-            <a:r>
-              <a:rPr lang="en-GB" sz="1600" dirty="0">
-                <a:latin typeface="Courier"/>
-              </a:rPr>
-              <a:t> = </a:t>
-            </a:r>
-            <a:r>
-              <a:rPr sz="1600" dirty="0" err="1">
-                <a:latin typeface="Courier"/>
-              </a:rPr>
-              <a:t>parms_sir</a:t>
-            </a:r>
-            <a:r>
-              <a:rPr sz="1600" dirty="0">
-                <a:latin typeface="Courier"/>
-              </a:rPr>
-              <a:t>)</a:t>
+              <a:t>return</a:t>
+            </a:r>
+            <a:r>
+              <a:rPr sz="1600" dirty="0">
+                <a:latin typeface="Courier"/>
+              </a:rPr>
+              <a:t>(out)</a:t>
             </a:r>
             <a:br>
               <a:rPr sz="1600" dirty="0">
@@ -3983,7 +3433,7 @@
           <p:cNvPr id="2" name="Slide Number Placeholder 1">
             <a:extLst>
               <a:ext uri="{FF2B5EF4-FFF2-40B4-BE49-F238E27FC236}">
-                <a16:creationId xmlns:a16="http://schemas.microsoft.com/office/drawing/2014/main" id="{1BEB85A3-009F-498B-BD8E-BC2FA87DB1A5}"/>
+                <a16:creationId xmlns:a16="http://schemas.microsoft.com/office/drawing/2014/main" id="{D6AF41A9-B88D-4EF4-9FD2-B4E53216C811}"/>
               </a:ext>
             </a:extLst>
           </p:cNvPr>
@@ -4074,6 +3524,1071 @@
             <p:ph idx="1" hasCustomPrompt="1"/>
           </p:nvPr>
         </p:nvSpPr>
+        <p:spPr>
+          <a:xfrm>
+            <a:off x="457200" y="1218668"/>
+            <a:ext cx="8229600" cy="4821382"/>
+          </a:xfrm>
+        </p:spPr>
+        <p:txBody>
+          <a:bodyPr/>
+          <a:lstStyle/>
+          <a:p>
+            <a:pPr marL="1270000"/>
+            <a:r>
+              <a:rPr lang="sv-SE" sz="1600" dirty="0">
+                <a:latin typeface="Courier"/>
+              </a:rPr>
+              <a:t>parms_sir &lt;-</a:t>
+            </a:r>
+            <a:r>
+              <a:rPr lang="sv-SE" sz="1600" dirty="0">
+                <a:solidFill>
+                  <a:srgbClr val="4070A0"/>
+                </a:solidFill>
+                <a:latin typeface="Courier"/>
+              </a:rPr>
+              <a:t> </a:t>
+            </a:r>
+            <a:r>
+              <a:rPr lang="sv-SE" sz="1600" b="1" dirty="0">
+                <a:solidFill>
+                  <a:srgbClr val="007020"/>
+                </a:solidFill>
+                <a:latin typeface="Courier"/>
+              </a:rPr>
+              <a:t>c</a:t>
+            </a:r>
+            <a:r>
+              <a:rPr lang="sv-SE" sz="1600" dirty="0">
+                <a:latin typeface="Courier"/>
+              </a:rPr>
+              <a:t>(</a:t>
+            </a:r>
+            <a:r>
+              <a:rPr lang="sv-SE" sz="1600" dirty="0">
+                <a:solidFill>
+                  <a:srgbClr val="902000"/>
+                </a:solidFill>
+                <a:latin typeface="Courier"/>
+              </a:rPr>
+              <a:t>beta  =</a:t>
+            </a:r>
+            <a:r>
+              <a:rPr lang="sv-SE" sz="1600" dirty="0">
+                <a:latin typeface="Courier"/>
+              </a:rPr>
+              <a:t> </a:t>
+            </a:r>
+            <a:r>
+              <a:rPr lang="sv-SE" sz="1600" dirty="0">
+                <a:solidFill>
+                  <a:srgbClr val="40A070"/>
+                </a:solidFill>
+                <a:latin typeface="Courier"/>
+              </a:rPr>
+              <a:t>1.3</a:t>
+            </a:r>
+            <a:r>
+              <a:rPr lang="sv-SE" sz="1600" dirty="0">
+                <a:latin typeface="Courier"/>
+              </a:rPr>
+              <a:t>,</a:t>
+            </a:r>
+            <a:br>
+              <a:rPr lang="sv-SE" sz="1600" dirty="0">
+                <a:latin typeface="Courier"/>
+              </a:rPr>
+            </a:br>
+            <a:r>
+              <a:rPr lang="sv-SE" sz="1600" dirty="0">
+                <a:latin typeface="Courier"/>
+              </a:rPr>
+              <a:t>               </a:t>
+            </a:r>
+            <a:r>
+              <a:rPr lang="sv-SE" sz="1600" dirty="0">
+                <a:solidFill>
+                  <a:srgbClr val="902000"/>
+                </a:solidFill>
+                <a:latin typeface="Courier"/>
+              </a:rPr>
+              <a:t>gamma =</a:t>
+            </a:r>
+            <a:r>
+              <a:rPr lang="sv-SE" sz="1600" dirty="0">
+                <a:latin typeface="Courier"/>
+              </a:rPr>
+              <a:t> </a:t>
+            </a:r>
+            <a:r>
+              <a:rPr lang="sv-SE" sz="1600" dirty="0">
+                <a:solidFill>
+                  <a:srgbClr val="40A070"/>
+                </a:solidFill>
+                <a:latin typeface="Courier"/>
+              </a:rPr>
+              <a:t>0.23</a:t>
+            </a:r>
+            <a:r>
+              <a:rPr lang="sv-SE" sz="1600" dirty="0">
+                <a:latin typeface="Courier"/>
+              </a:rPr>
+              <a:t>)</a:t>
+            </a:r>
+          </a:p>
+          <a:p>
+            <a:pPr marL="1270000"/>
+            <a:endParaRPr lang="sv-SE" sz="1600" dirty="0">
+              <a:latin typeface="Courier"/>
+            </a:endParaRPr>
+          </a:p>
+          <a:p>
+            <a:pPr marL="1270000" lvl="0" indent="0">
+              <a:buNone/>
+            </a:pPr>
+            <a:r>
+              <a:rPr sz="1600" dirty="0" err="1">
+                <a:latin typeface="Courier"/>
+              </a:rPr>
+              <a:t>time_sir</a:t>
+            </a:r>
+            <a:r>
+              <a:rPr sz="1600" dirty="0">
+                <a:latin typeface="Courier"/>
+              </a:rPr>
+              <a:t> &lt;-</a:t>
+            </a:r>
+            <a:r>
+              <a:rPr sz="1600" dirty="0">
+                <a:solidFill>
+                  <a:srgbClr val="4070A0"/>
+                </a:solidFill>
+                <a:latin typeface="Courier"/>
+              </a:rPr>
+              <a:t> </a:t>
+            </a:r>
+            <a:r>
+              <a:rPr sz="1600" b="1" dirty="0" err="1">
+                <a:solidFill>
+                  <a:srgbClr val="007020"/>
+                </a:solidFill>
+                <a:latin typeface="Courier"/>
+              </a:rPr>
+              <a:t>seq</a:t>
+            </a:r>
+            <a:r>
+              <a:rPr sz="1600" dirty="0">
+                <a:latin typeface="Courier"/>
+              </a:rPr>
+              <a:t>(</a:t>
+            </a:r>
+            <a:r>
+              <a:rPr sz="1600" dirty="0">
+                <a:solidFill>
+                  <a:srgbClr val="40A070"/>
+                </a:solidFill>
+                <a:latin typeface="Courier"/>
+              </a:rPr>
+              <a:t>0</a:t>
+            </a:r>
+            <a:r>
+              <a:rPr sz="1600" dirty="0">
+                <a:latin typeface="Courier"/>
+              </a:rPr>
+              <a:t>, </a:t>
+            </a:r>
+            <a:r>
+              <a:rPr sz="1600" dirty="0">
+                <a:solidFill>
+                  <a:srgbClr val="40A070"/>
+                </a:solidFill>
+                <a:latin typeface="Courier"/>
+              </a:rPr>
+              <a:t>20</a:t>
+            </a:r>
+            <a:r>
+              <a:rPr sz="1600" dirty="0">
+                <a:latin typeface="Courier"/>
+              </a:rPr>
+              <a:t>, </a:t>
+            </a:r>
+            <a:r>
+              <a:rPr sz="1600" dirty="0">
+                <a:solidFill>
+                  <a:srgbClr val="902000"/>
+                </a:solidFill>
+                <a:latin typeface="Courier"/>
+              </a:rPr>
+              <a:t>by =</a:t>
+            </a:r>
+            <a:r>
+              <a:rPr sz="1600" dirty="0">
+                <a:latin typeface="Courier"/>
+              </a:rPr>
+              <a:t> </a:t>
+            </a:r>
+            <a:r>
+              <a:rPr sz="1600" dirty="0">
+                <a:solidFill>
+                  <a:srgbClr val="40A070"/>
+                </a:solidFill>
+                <a:latin typeface="Courier"/>
+              </a:rPr>
+              <a:t>1</a:t>
+            </a:r>
+            <a:r>
+              <a:rPr sz="1600" dirty="0">
+                <a:latin typeface="Courier"/>
+              </a:rPr>
+              <a:t>)</a:t>
+            </a:r>
+            <a:endParaRPr lang="en-GB" sz="1600" dirty="0">
+              <a:latin typeface="Courier"/>
+            </a:endParaRPr>
+          </a:p>
+          <a:p>
+            <a:pPr marL="1270000" lvl="0" indent="0">
+              <a:buNone/>
+            </a:pPr>
+            <a:br>
+              <a:rPr sz="1600" dirty="0">
+                <a:latin typeface="Courier"/>
+              </a:rPr>
+            </a:br>
+            <a:r>
+              <a:rPr sz="1600" dirty="0" err="1">
+                <a:latin typeface="Courier"/>
+              </a:rPr>
+              <a:t>y_sir</a:t>
+            </a:r>
+            <a:r>
+              <a:rPr sz="1600" dirty="0">
+                <a:latin typeface="Courier"/>
+              </a:rPr>
+              <a:t>    &lt;-</a:t>
+            </a:r>
+            <a:r>
+              <a:rPr sz="1600" dirty="0">
+                <a:solidFill>
+                  <a:srgbClr val="4070A0"/>
+                </a:solidFill>
+                <a:latin typeface="Courier"/>
+              </a:rPr>
+              <a:t> </a:t>
+            </a:r>
+            <a:r>
+              <a:rPr sz="1600" b="1" dirty="0">
+                <a:solidFill>
+                  <a:srgbClr val="007020"/>
+                </a:solidFill>
+                <a:latin typeface="Courier"/>
+              </a:rPr>
+              <a:t>matrix</a:t>
+            </a:r>
+            <a:r>
+              <a:rPr sz="1600" dirty="0">
+                <a:latin typeface="Courier"/>
+              </a:rPr>
+              <a:t>(</a:t>
+            </a:r>
+            <a:r>
+              <a:rPr sz="1600" dirty="0">
+                <a:solidFill>
+                  <a:srgbClr val="902000"/>
+                </a:solidFill>
+                <a:latin typeface="Courier"/>
+              </a:rPr>
+              <a:t>data =</a:t>
+            </a:r>
+            <a:r>
+              <a:rPr sz="1600" dirty="0">
+                <a:latin typeface="Courier"/>
+              </a:rPr>
+              <a:t> </a:t>
+            </a:r>
+            <a:r>
+              <a:rPr sz="1600" dirty="0">
+                <a:solidFill>
+                  <a:srgbClr val="007020"/>
+                </a:solidFill>
+                <a:latin typeface="Courier"/>
+              </a:rPr>
+              <a:t>NA</a:t>
+            </a:r>
+            <a:r>
+              <a:rPr sz="1600" dirty="0">
+                <a:latin typeface="Courier"/>
+              </a:rPr>
+              <a:t>,</a:t>
+            </a:r>
+            <a:br>
+              <a:rPr sz="1600" dirty="0">
+                <a:latin typeface="Courier"/>
+              </a:rPr>
+            </a:br>
+            <a:r>
+              <a:rPr sz="1600" dirty="0">
+                <a:latin typeface="Courier"/>
+              </a:rPr>
+              <a:t>                   </a:t>
+            </a:r>
+            <a:r>
+              <a:rPr sz="1600" dirty="0" err="1">
+                <a:solidFill>
+                  <a:srgbClr val="902000"/>
+                </a:solidFill>
+                <a:latin typeface="Courier"/>
+              </a:rPr>
+              <a:t>nrow</a:t>
+            </a:r>
+            <a:r>
+              <a:rPr sz="1600" dirty="0">
+                <a:solidFill>
+                  <a:srgbClr val="902000"/>
+                </a:solidFill>
+                <a:latin typeface="Courier"/>
+              </a:rPr>
+              <a:t> =</a:t>
+            </a:r>
+            <a:r>
+              <a:rPr sz="1600" dirty="0">
+                <a:latin typeface="Courier"/>
+              </a:rPr>
+              <a:t> </a:t>
+            </a:r>
+            <a:r>
+              <a:rPr sz="1600" b="1" dirty="0">
+                <a:solidFill>
+                  <a:srgbClr val="007020"/>
+                </a:solidFill>
+                <a:latin typeface="Courier"/>
+              </a:rPr>
+              <a:t>length</a:t>
+            </a:r>
+            <a:r>
+              <a:rPr sz="1600" dirty="0">
+                <a:latin typeface="Courier"/>
+              </a:rPr>
+              <a:t>(</a:t>
+            </a:r>
+            <a:r>
+              <a:rPr sz="1600" dirty="0" err="1">
+                <a:latin typeface="Courier"/>
+              </a:rPr>
+              <a:t>time_sir</a:t>
+            </a:r>
+            <a:r>
+              <a:rPr sz="1600" dirty="0">
+                <a:latin typeface="Courier"/>
+              </a:rPr>
+              <a:t>),</a:t>
+            </a:r>
+            <a:br>
+              <a:rPr sz="1600" dirty="0">
+                <a:latin typeface="Courier"/>
+              </a:rPr>
+            </a:br>
+            <a:r>
+              <a:rPr sz="1600" dirty="0">
+                <a:latin typeface="Courier"/>
+              </a:rPr>
+              <a:t>                   </a:t>
+            </a:r>
+            <a:r>
+              <a:rPr sz="1600" dirty="0" err="1">
+                <a:solidFill>
+                  <a:srgbClr val="902000"/>
+                </a:solidFill>
+                <a:latin typeface="Courier"/>
+              </a:rPr>
+              <a:t>ncol</a:t>
+            </a:r>
+            <a:r>
+              <a:rPr sz="1600" dirty="0">
+                <a:solidFill>
+                  <a:srgbClr val="902000"/>
+                </a:solidFill>
+                <a:latin typeface="Courier"/>
+              </a:rPr>
+              <a:t> =</a:t>
+            </a:r>
+            <a:r>
+              <a:rPr sz="1600" dirty="0">
+                <a:latin typeface="Courier"/>
+              </a:rPr>
+              <a:t> </a:t>
+            </a:r>
+            <a:r>
+              <a:rPr sz="1600" dirty="0">
+                <a:solidFill>
+                  <a:srgbClr val="40A070"/>
+                </a:solidFill>
+                <a:latin typeface="Courier"/>
+              </a:rPr>
+              <a:t>3</a:t>
+            </a:r>
+            <a:r>
+              <a:rPr sz="1600" dirty="0">
+                <a:latin typeface="Courier"/>
+              </a:rPr>
+              <a:t>)</a:t>
+            </a:r>
+            <a:endParaRPr lang="en-GB" sz="1600" dirty="0">
+              <a:latin typeface="Courier"/>
+            </a:endParaRPr>
+          </a:p>
+          <a:p>
+            <a:pPr marL="1270000" lvl="0" indent="0">
+              <a:buNone/>
+            </a:pPr>
+            <a:br>
+              <a:rPr sz="1600" dirty="0">
+                <a:latin typeface="Courier"/>
+              </a:rPr>
+            </a:br>
+            <a:r>
+              <a:rPr sz="1600" i="1" dirty="0">
+                <a:solidFill>
+                  <a:srgbClr val="60A0B0"/>
+                </a:solidFill>
+                <a:latin typeface="Courier"/>
+              </a:rPr>
+              <a:t># initial values at t=0</a:t>
+            </a:r>
+            <a:br>
+              <a:rPr sz="1600" dirty="0">
+                <a:latin typeface="Courier"/>
+              </a:rPr>
+            </a:br>
+            <a:r>
+              <a:rPr sz="1600" dirty="0" err="1">
+                <a:latin typeface="Courier"/>
+              </a:rPr>
+              <a:t>y_sir</a:t>
+            </a:r>
+            <a:r>
+              <a:rPr sz="1600" dirty="0">
+                <a:latin typeface="Courier"/>
+              </a:rPr>
+              <a:t>[</a:t>
+            </a:r>
+            <a:r>
+              <a:rPr sz="1600" dirty="0">
+                <a:solidFill>
+                  <a:srgbClr val="40A070"/>
+                </a:solidFill>
+                <a:latin typeface="Courier"/>
+              </a:rPr>
+              <a:t>1</a:t>
+            </a:r>
+            <a:r>
+              <a:rPr sz="1600" dirty="0">
+                <a:latin typeface="Courier"/>
+              </a:rPr>
+              <a:t>, ] &lt;-</a:t>
+            </a:r>
+            <a:r>
+              <a:rPr sz="1600" dirty="0">
+                <a:solidFill>
+                  <a:srgbClr val="4070A0"/>
+                </a:solidFill>
+                <a:latin typeface="Courier"/>
+              </a:rPr>
+              <a:t> </a:t>
+            </a:r>
+            <a:r>
+              <a:rPr sz="1600" b="1" dirty="0">
+                <a:solidFill>
+                  <a:srgbClr val="007020"/>
+                </a:solidFill>
+                <a:latin typeface="Courier"/>
+              </a:rPr>
+              <a:t>c</a:t>
+            </a:r>
+            <a:r>
+              <a:rPr sz="1600" dirty="0">
+                <a:latin typeface="Courier"/>
+              </a:rPr>
+              <a:t>(</a:t>
+            </a:r>
+            <a:r>
+              <a:rPr sz="1600" dirty="0">
+                <a:solidFill>
+                  <a:srgbClr val="40A070"/>
+                </a:solidFill>
+                <a:latin typeface="Courier"/>
+              </a:rPr>
+              <a:t>0.99</a:t>
+            </a:r>
+            <a:r>
+              <a:rPr sz="1600" dirty="0">
+                <a:latin typeface="Courier"/>
+              </a:rPr>
+              <a:t>, </a:t>
+            </a:r>
+            <a:r>
+              <a:rPr sz="1600" dirty="0">
+                <a:solidFill>
+                  <a:srgbClr val="40A070"/>
+                </a:solidFill>
+                <a:latin typeface="Courier"/>
+              </a:rPr>
+              <a:t>0.01</a:t>
+            </a:r>
+            <a:r>
+              <a:rPr sz="1600" dirty="0">
+                <a:latin typeface="Courier"/>
+              </a:rPr>
+              <a:t>, </a:t>
+            </a:r>
+            <a:r>
+              <a:rPr sz="1600" dirty="0">
+                <a:solidFill>
+                  <a:srgbClr val="40A070"/>
+                </a:solidFill>
+                <a:latin typeface="Courier"/>
+              </a:rPr>
+              <a:t>0</a:t>
+            </a:r>
+            <a:r>
+              <a:rPr sz="1600" dirty="0">
+                <a:latin typeface="Courier"/>
+              </a:rPr>
+              <a:t>) </a:t>
+            </a:r>
+            <a:br>
+              <a:rPr sz="1600" dirty="0">
+                <a:latin typeface="Courier"/>
+              </a:rPr>
+            </a:br>
+            <a:br>
+              <a:rPr sz="1600" dirty="0">
+                <a:latin typeface="Courier"/>
+              </a:rPr>
+            </a:br>
+            <a:r>
+              <a:rPr sz="1600" b="1" dirty="0">
+                <a:solidFill>
+                  <a:srgbClr val="007020"/>
+                </a:solidFill>
+                <a:latin typeface="Courier"/>
+              </a:rPr>
+              <a:t>for</a:t>
+            </a:r>
+            <a:r>
+              <a:rPr sz="1600" dirty="0">
+                <a:latin typeface="Courier"/>
+              </a:rPr>
+              <a:t> (</a:t>
+            </a:r>
+            <a:r>
+              <a:rPr sz="1600" dirty="0" err="1">
+                <a:latin typeface="Courier"/>
+              </a:rPr>
+              <a:t>i</a:t>
+            </a:r>
+            <a:r>
+              <a:rPr sz="1600" dirty="0">
+                <a:latin typeface="Courier"/>
+              </a:rPr>
+              <a:t> </a:t>
+            </a:r>
+            <a:r>
+              <a:rPr sz="1600" b="1" dirty="0">
+                <a:solidFill>
+                  <a:srgbClr val="007020"/>
+                </a:solidFill>
+                <a:latin typeface="Courier"/>
+              </a:rPr>
+              <a:t>in</a:t>
+            </a:r>
+            <a:r>
+              <a:rPr sz="1600" dirty="0">
+                <a:latin typeface="Courier"/>
+              </a:rPr>
+              <a:t> </a:t>
+            </a:r>
+            <a:r>
+              <a:rPr sz="1600" dirty="0">
+                <a:solidFill>
+                  <a:srgbClr val="40A070"/>
+                </a:solidFill>
+                <a:latin typeface="Courier"/>
+              </a:rPr>
+              <a:t>1</a:t>
+            </a:r>
+            <a:r>
+              <a:rPr sz="1600" dirty="0">
+                <a:solidFill>
+                  <a:srgbClr val="666666"/>
+                </a:solidFill>
+                <a:latin typeface="Courier"/>
+              </a:rPr>
+              <a:t>:</a:t>
+            </a:r>
+            <a:r>
+              <a:rPr sz="1600" dirty="0">
+                <a:latin typeface="Courier"/>
+              </a:rPr>
+              <a:t>(</a:t>
+            </a:r>
+            <a:r>
+              <a:rPr sz="1600" b="1" dirty="0" err="1">
+                <a:solidFill>
+                  <a:srgbClr val="007020"/>
+                </a:solidFill>
+                <a:latin typeface="Courier"/>
+              </a:rPr>
+              <a:t>nrow</a:t>
+            </a:r>
+            <a:r>
+              <a:rPr sz="1600" dirty="0">
+                <a:latin typeface="Courier"/>
+              </a:rPr>
+              <a:t>(</a:t>
+            </a:r>
+            <a:r>
+              <a:rPr sz="1600" dirty="0" err="1">
+                <a:latin typeface="Courier"/>
+              </a:rPr>
+              <a:t>y_sir</a:t>
+            </a:r>
+            <a:r>
+              <a:rPr sz="1600" dirty="0">
+                <a:latin typeface="Courier"/>
+              </a:rPr>
+              <a:t>) </a:t>
+            </a:r>
+            <a:r>
+              <a:rPr sz="1600" dirty="0">
+                <a:solidFill>
+                  <a:srgbClr val="666666"/>
+                </a:solidFill>
+                <a:latin typeface="Courier"/>
+              </a:rPr>
+              <a:t>-</a:t>
+            </a:r>
+            <a:r>
+              <a:rPr sz="1600" dirty="0">
+                <a:solidFill>
+                  <a:srgbClr val="4070A0"/>
+                </a:solidFill>
+                <a:latin typeface="Courier"/>
+              </a:rPr>
+              <a:t> </a:t>
+            </a:r>
+            <a:r>
+              <a:rPr sz="1600" dirty="0">
+                <a:solidFill>
+                  <a:srgbClr val="40A070"/>
+                </a:solidFill>
+                <a:latin typeface="Courier"/>
+              </a:rPr>
+              <a:t>1</a:t>
+            </a:r>
+            <a:r>
+              <a:rPr sz="1600" dirty="0">
+                <a:latin typeface="Courier"/>
+              </a:rPr>
+              <a:t>)){</a:t>
+            </a:r>
+            <a:endParaRPr lang="en-GB" sz="1600" dirty="0">
+              <a:latin typeface="Courier"/>
+            </a:endParaRPr>
+          </a:p>
+          <a:p>
+            <a:pPr marL="1270000" lvl="0" indent="0">
+              <a:buNone/>
+            </a:pPr>
+            <a:br>
+              <a:rPr sz="1600" dirty="0">
+                <a:latin typeface="Courier"/>
+              </a:rPr>
+            </a:br>
+            <a:r>
+              <a:rPr sz="1600" dirty="0">
+                <a:latin typeface="Courier"/>
+              </a:rPr>
+              <a:t>  </a:t>
+            </a:r>
+            <a:r>
+              <a:rPr sz="1600" dirty="0" err="1">
+                <a:latin typeface="Courier"/>
+              </a:rPr>
+              <a:t>y_sir</a:t>
+            </a:r>
+            <a:r>
+              <a:rPr sz="1600" dirty="0">
+                <a:latin typeface="Courier"/>
+              </a:rPr>
+              <a:t>[</a:t>
+            </a:r>
+            <a:r>
+              <a:rPr sz="1600" dirty="0" err="1">
+                <a:latin typeface="Courier"/>
+              </a:rPr>
+              <a:t>i</a:t>
+            </a:r>
+            <a:r>
+              <a:rPr sz="1600" dirty="0">
+                <a:latin typeface="Courier"/>
+              </a:rPr>
+              <a:t> </a:t>
+            </a:r>
+            <a:r>
+              <a:rPr sz="1600" dirty="0">
+                <a:solidFill>
+                  <a:srgbClr val="666666"/>
+                </a:solidFill>
+                <a:latin typeface="Courier"/>
+              </a:rPr>
+              <a:t>+</a:t>
+            </a:r>
+            <a:r>
+              <a:rPr sz="1600" dirty="0">
+                <a:solidFill>
+                  <a:srgbClr val="4070A0"/>
+                </a:solidFill>
+                <a:latin typeface="Courier"/>
+              </a:rPr>
+              <a:t> </a:t>
+            </a:r>
+            <a:r>
+              <a:rPr sz="1600" dirty="0">
+                <a:solidFill>
+                  <a:srgbClr val="40A070"/>
+                </a:solidFill>
+                <a:latin typeface="Courier"/>
+              </a:rPr>
+              <a:t>1</a:t>
+            </a:r>
+            <a:r>
+              <a:rPr sz="1600" dirty="0">
+                <a:latin typeface="Courier"/>
+              </a:rPr>
+              <a:t>,] &lt;-</a:t>
+            </a:r>
+            <a:r>
+              <a:rPr sz="1600" dirty="0">
+                <a:solidFill>
+                  <a:srgbClr val="4070A0"/>
+                </a:solidFill>
+                <a:latin typeface="Courier"/>
+              </a:rPr>
+              <a:t> </a:t>
+            </a:r>
+            <a:r>
+              <a:rPr sz="1600" dirty="0" err="1">
+                <a:latin typeface="Courier"/>
+              </a:rPr>
+              <a:t>y_sir</a:t>
+            </a:r>
+            <a:r>
+              <a:rPr sz="1600" dirty="0">
+                <a:latin typeface="Courier"/>
+              </a:rPr>
+              <a:t>[</a:t>
+            </a:r>
+            <a:r>
+              <a:rPr sz="1600" dirty="0" err="1">
+                <a:latin typeface="Courier"/>
+              </a:rPr>
+              <a:t>i</a:t>
+            </a:r>
+            <a:r>
+              <a:rPr sz="1600" dirty="0">
+                <a:latin typeface="Courier"/>
+              </a:rPr>
+              <a:t>,] </a:t>
+            </a:r>
+            <a:r>
+              <a:rPr sz="1600" dirty="0">
+                <a:solidFill>
+                  <a:srgbClr val="666666"/>
+                </a:solidFill>
+                <a:latin typeface="Courier"/>
+              </a:rPr>
+              <a:t>+</a:t>
+            </a:r>
+            <a:br>
+              <a:rPr sz="1600" dirty="0">
+                <a:latin typeface="Courier"/>
+              </a:rPr>
+            </a:br>
+            <a:r>
+              <a:rPr sz="1600" dirty="0">
+                <a:solidFill>
+                  <a:srgbClr val="4070A0"/>
+                </a:solidFill>
+                <a:latin typeface="Courier"/>
+              </a:rPr>
+              <a:t>    </a:t>
+            </a:r>
+            <a:r>
+              <a:rPr sz="1600" b="1" dirty="0" err="1">
+                <a:solidFill>
+                  <a:srgbClr val="007020"/>
+                </a:solidFill>
+                <a:latin typeface="Courier"/>
+              </a:rPr>
+              <a:t>update_sir</a:t>
+            </a:r>
+            <a:r>
+              <a:rPr sz="1600" dirty="0">
+                <a:latin typeface="Courier"/>
+              </a:rPr>
+              <a:t>(</a:t>
+            </a:r>
+            <a:r>
+              <a:rPr lang="en-GB" sz="1600" dirty="0">
+                <a:latin typeface="Courier"/>
+              </a:rPr>
+              <a:t>t     = </a:t>
+            </a:r>
+            <a:r>
+              <a:rPr sz="1600" dirty="0" err="1">
+                <a:latin typeface="Courier"/>
+              </a:rPr>
+              <a:t>time_sir</a:t>
+            </a:r>
+            <a:r>
+              <a:rPr sz="1600" dirty="0">
+                <a:latin typeface="Courier"/>
+              </a:rPr>
+              <a:t>[</a:t>
+            </a:r>
+            <a:r>
+              <a:rPr sz="1600" dirty="0" err="1">
+                <a:latin typeface="Courier"/>
+              </a:rPr>
+              <a:t>i</a:t>
+            </a:r>
+            <a:r>
+              <a:rPr sz="1600" dirty="0">
+                <a:latin typeface="Courier"/>
+              </a:rPr>
+              <a:t> </a:t>
+            </a:r>
+            <a:r>
+              <a:rPr sz="1600" dirty="0">
+                <a:solidFill>
+                  <a:srgbClr val="666666"/>
+                </a:solidFill>
+                <a:latin typeface="Courier"/>
+              </a:rPr>
+              <a:t>+</a:t>
+            </a:r>
+            <a:r>
+              <a:rPr sz="1600" dirty="0">
+                <a:solidFill>
+                  <a:srgbClr val="4070A0"/>
+                </a:solidFill>
+                <a:latin typeface="Courier"/>
+              </a:rPr>
+              <a:t> </a:t>
+            </a:r>
+            <a:r>
+              <a:rPr sz="1600" dirty="0">
+                <a:solidFill>
+                  <a:srgbClr val="40A070"/>
+                </a:solidFill>
+                <a:latin typeface="Courier"/>
+              </a:rPr>
+              <a:t>1</a:t>
+            </a:r>
+            <a:r>
+              <a:rPr sz="1600" dirty="0">
+                <a:latin typeface="Courier"/>
+              </a:rPr>
+              <a:t>],</a:t>
+            </a:r>
+            <a:br>
+              <a:rPr sz="1600" dirty="0">
+                <a:latin typeface="Courier"/>
+              </a:rPr>
+            </a:br>
+            <a:r>
+              <a:rPr sz="1600" dirty="0">
+                <a:latin typeface="Courier"/>
+              </a:rPr>
+              <a:t>               </a:t>
+            </a:r>
+            <a:r>
+              <a:rPr lang="en-GB" sz="1600" dirty="0">
+                <a:latin typeface="Courier"/>
+              </a:rPr>
+              <a:t>y     = </a:t>
+            </a:r>
+            <a:r>
+              <a:rPr sz="1600" dirty="0" err="1">
+                <a:latin typeface="Courier"/>
+              </a:rPr>
+              <a:t>y_sir</a:t>
+            </a:r>
+            <a:r>
+              <a:rPr sz="1600" dirty="0">
+                <a:latin typeface="Courier"/>
+              </a:rPr>
+              <a:t>[</a:t>
+            </a:r>
+            <a:r>
+              <a:rPr sz="1600" dirty="0" err="1">
+                <a:latin typeface="Courier"/>
+              </a:rPr>
+              <a:t>i</a:t>
+            </a:r>
+            <a:r>
+              <a:rPr sz="1600" dirty="0">
+                <a:latin typeface="Courier"/>
+              </a:rPr>
+              <a:t>, ],</a:t>
+            </a:r>
+            <a:br>
+              <a:rPr sz="1600" dirty="0">
+                <a:latin typeface="Courier"/>
+              </a:rPr>
+            </a:br>
+            <a:r>
+              <a:rPr sz="1600" dirty="0">
+                <a:latin typeface="Courier"/>
+              </a:rPr>
+              <a:t>               </a:t>
+            </a:r>
+            <a:r>
+              <a:rPr lang="en-GB" sz="1600" dirty="0" err="1">
+                <a:latin typeface="Courier"/>
+              </a:rPr>
+              <a:t>parms</a:t>
+            </a:r>
+            <a:r>
+              <a:rPr lang="en-GB" sz="1600" dirty="0">
+                <a:latin typeface="Courier"/>
+              </a:rPr>
+              <a:t> = </a:t>
+            </a:r>
+            <a:r>
+              <a:rPr sz="1600" dirty="0" err="1">
+                <a:latin typeface="Courier"/>
+              </a:rPr>
+              <a:t>parms_sir</a:t>
+            </a:r>
+            <a:r>
+              <a:rPr sz="1600" dirty="0">
+                <a:latin typeface="Courier"/>
+              </a:rPr>
+              <a:t>)</a:t>
+            </a:r>
+            <a:br>
+              <a:rPr sz="1600" dirty="0">
+                <a:latin typeface="Courier"/>
+              </a:rPr>
+            </a:br>
+            <a:r>
+              <a:rPr sz="1600" dirty="0">
+                <a:latin typeface="Courier"/>
+              </a:rPr>
+              <a:t>}</a:t>
+            </a:r>
+          </a:p>
+        </p:txBody>
+      </p:sp>
+      <p:sp>
+        <p:nvSpPr>
+          <p:cNvPr id="2" name="Slide Number Placeholder 1">
+            <a:extLst>
+              <a:ext uri="{FF2B5EF4-FFF2-40B4-BE49-F238E27FC236}">
+                <a16:creationId xmlns:a16="http://schemas.microsoft.com/office/drawing/2014/main" id="{1BEB85A3-009F-498B-BD8E-BC2FA87DB1A5}"/>
+              </a:ext>
+            </a:extLst>
+          </p:cNvPr>
+          <p:cNvSpPr>
+            <a:spLocks noGrp="1"/>
+          </p:cNvSpPr>
+          <p:nvPr>
+            <p:ph type="sldNum" sz="quarter" idx="4"/>
+          </p:nvPr>
+        </p:nvSpPr>
+        <p:spPr/>
+        <p:txBody>
+          <a:bodyPr/>
+          <a:lstStyle/>
+          <a:p>
+            <a:fld id="{D7E6475D-BDED-4D62-A64C-203EC56ADB6A}" type="slidenum">
+              <a:rPr lang="en-GB" smtClean="0"/>
+              <a:t>11</a:t>
+            </a:fld>
+            <a:endParaRPr lang="en-GB"/>
+          </a:p>
+        </p:txBody>
+      </p:sp>
+    </p:spTree>
+  </p:cSld>
+  <p:clrMapOvr>
+    <a:masterClrMapping/>
+  </p:clrMapOvr>
+</p:sld>
+</file>
+
+<file path=ppt/slides/slide13.xml><?xml version="1.0" encoding="utf-8"?>
+<p:sld xmlns:a="http://schemas.openxmlformats.org/drawingml/2006/main" xmlns:r="http://schemas.openxmlformats.org/officeDocument/2006/relationships" xmlns:p="http://schemas.openxmlformats.org/presentationml/2006/main">
+  <p:cSld>
+    <p:spTree>
+      <p:nvGrpSpPr>
+        <p:cNvPr id="1" name=""/>
+        <p:cNvGrpSpPr/>
+        <p:nvPr/>
+      </p:nvGrpSpPr>
+      <p:grpSpPr>
+        <a:xfrm>
+          <a:off x="0" y="0"/>
+          <a:ext cx="0" cy="0"/>
+          <a:chOff x="0" y="0"/>
+          <a:chExt cx="0" cy="0"/>
+        </a:xfrm>
+      </p:grpSpPr>
+      <p:sp>
+        <p:nvSpPr>
+          <p:cNvPr id="5" name="Title 1"/>
+          <p:cNvSpPr>
+            <a:spLocks noGrp="1"/>
+          </p:cNvSpPr>
+          <p:nvPr>
+            <p:ph type="title" hasCustomPrompt="1"/>
+          </p:nvPr>
+        </p:nvSpPr>
+        <p:spPr>
+          <a:xfrm>
+            <a:off x="457201" y="279132"/>
+            <a:ext cx="6705600" cy="623236"/>
+          </a:xfrm>
+          <a:prstGeom prst="rect">
+            <a:avLst/>
+          </a:prstGeom>
+        </p:spPr>
+        <p:txBody>
+          <a:bodyPr/>
+          <a:lstStyle/>
+          <a:p>
+            <a:pPr marL="0" lvl="0" indent="0">
+              <a:buNone/>
+            </a:pPr>
+            <a:r>
+              <a:t>Discrete-time deterministic SIR</a:t>
+            </a:r>
+          </a:p>
+        </p:txBody>
+      </p:sp>
+      <p:sp>
+        <p:nvSpPr>
+          <p:cNvPr id="3" name="Content Placeholder 2"/>
+          <p:cNvSpPr>
+            <a:spLocks noGrp="1"/>
+          </p:cNvSpPr>
+          <p:nvPr>
+            <p:ph idx="1" hasCustomPrompt="1"/>
+          </p:nvPr>
+        </p:nvSpPr>
         <p:spPr/>
         <p:txBody>
           <a:bodyPr/>
@@ -4410,7 +4925,7 @@
           <a:p>
             <a:fld id="{D7E6475D-BDED-4D62-A64C-203EC56ADB6A}" type="slidenum">
               <a:rPr lang="en-GB" smtClean="0"/>
-              <a:t>11</a:t>
+              <a:t>12</a:t>
             </a:fld>
             <a:endParaRPr lang="en-GB"/>
           </a:p>
@@ -4424,7 +4939,7 @@
 </p:sld>
 </file>
 
-<file path=ppt/slides/slide13.xml><?xml version="1.0" encoding="utf-8"?>
+<file path=ppt/slides/slide14.xml><?xml version="1.0" encoding="utf-8"?>
 <p:sld xmlns:a="http://schemas.openxmlformats.org/drawingml/2006/main" xmlns:r="http://schemas.openxmlformats.org/officeDocument/2006/relationships" xmlns:p="http://schemas.openxmlformats.org/presentationml/2006/main">
   <p:cSld>
     <p:spTree>
@@ -4526,7 +5041,7 @@
           <a:p>
             <a:fld id="{D7E6475D-BDED-4D62-A64C-203EC56ADB6A}" type="slidenum">
               <a:rPr lang="en-GB" smtClean="0"/>
-              <a:t>12</a:t>
+              <a:t>13</a:t>
             </a:fld>
             <a:endParaRPr lang="en-GB"/>
           </a:p>
@@ -4540,7 +5055,7 @@
 </p:sld>
 </file>
 
-<file path=ppt/slides/slide14.xml><?xml version="1.0" encoding="utf-8"?>
+<file path=ppt/slides/slide15.xml><?xml version="1.0" encoding="utf-8"?>
 <p:sld xmlns:a="http://schemas.openxmlformats.org/drawingml/2006/main" xmlns:r="http://schemas.openxmlformats.org/officeDocument/2006/relationships" xmlns:p="http://schemas.openxmlformats.org/presentationml/2006/main">
   <p:cSld>
     <p:spTree>
@@ -4836,7 +5351,7 @@
           <a:p>
             <a:fld id="{D7E6475D-BDED-4D62-A64C-203EC56ADB6A}" type="slidenum">
               <a:rPr lang="en-GB" smtClean="0"/>
-              <a:t>13</a:t>
+              <a:t>14</a:t>
             </a:fld>
             <a:endParaRPr lang="en-GB"/>
           </a:p>
@@ -4850,7 +5365,7 @@
 </p:sld>
 </file>
 
-<file path=ppt/slides/slide15.xml><?xml version="1.0" encoding="utf-8"?>
+<file path=ppt/slides/slide16.xml><?xml version="1.0" encoding="utf-8"?>
 <p:sld xmlns:a="http://schemas.openxmlformats.org/drawingml/2006/main" xmlns:r="http://schemas.openxmlformats.org/officeDocument/2006/relationships" xmlns:p="http://schemas.openxmlformats.org/presentationml/2006/main">
   <p:cSld>
     <p:spTree>
@@ -4923,7 +5438,7 @@
           <a:p>
             <a:fld id="{7D7EC250-E796-438C-AFE1-ABBE2451286B}" type="slidenum">
               <a:rPr lang="en-GB" smtClean="0"/>
-              <a:t>14</a:t>
+              <a:t>15</a:t>
             </a:fld>
             <a:endParaRPr lang="en-GB"/>
           </a:p>
@@ -4937,7 +5452,7 @@
 </p:sld>
 </file>
 
-<file path=ppt/slides/slide16.xml><?xml version="1.0" encoding="utf-8"?>
+<file path=ppt/slides/slide17.xml><?xml version="1.0" encoding="utf-8"?>
 <p:sld xmlns:a="http://schemas.openxmlformats.org/drawingml/2006/main" xmlns:r="http://schemas.openxmlformats.org/officeDocument/2006/relationships" xmlns:p="http://schemas.openxmlformats.org/presentationml/2006/main">
   <p:cSld>
     <p:spTree>
@@ -4986,8 +5501,8 @@
           </a:p>
         </p:txBody>
       </p:sp>
-      <mc:AlternateContent xmlns:mc="http://schemas.openxmlformats.org/markup-compatibility/2006" xmlns:a14="http://schemas.microsoft.com/office/drawing/2010/main">
-        <mc:Choice Requires="a14">
+      <mc:AlternateContent xmlns:mc="http://schemas.openxmlformats.org/markup-compatibility/2006">
+        <mc:Choice xmlns:a14="http://schemas.microsoft.com/office/drawing/2010/main" Requires="a14">
           <p:sp>
             <p:nvSpPr>
               <p:cNvPr id="3" name="Content Placeholder 2"/>
@@ -5013,7 +5528,7 @@
                 </a:r>
                 <a:r>
                   <a:rPr lang="en-GB" dirty="0"/>
-                  <a:t>, and can be solved approximately by iterating over that time step (Euler’s method).</a:t>
+                  <a:t>, and can be solved by iterating over those time steps.</a:t>
                 </a:r>
               </a:p>
               <a:p>
@@ -5389,7 +5904,7 @@
             </p:txBody>
           </p:sp>
         </mc:Choice>
-        <mc:Fallback xmlns="">
+        <mc:Fallback>
           <p:sp>
             <p:nvSpPr>
               <p:cNvPr id="3" name="Content Placeholder 2"/>
@@ -5404,7 +5919,7 @@
               <a:blipFill>
                 <a:blip r:embed="rId2"/>
                 <a:stretch>
-                  <a:fillRect l="-741" t="-759" r="-370"/>
+                  <a:fillRect l="-772" t="-789"/>
                 </a:stretch>
               </a:blipFill>
             </p:spPr>
@@ -5413,7 +5928,7 @@
               <a:lstStyle/>
               <a:p>
                 <a:r>
-                  <a:rPr lang="en-GB">
+                  <a:rPr lang="en-US">
                     <a:noFill/>
                   </a:rPr>
                   <a:t> </a:t>
@@ -5446,7 +5961,7 @@
           <a:p>
             <a:fld id="{D7E6475D-BDED-4D62-A64C-203EC56ADB6A}" type="slidenum">
               <a:rPr lang="en-GB" smtClean="0"/>
-              <a:t>15</a:t>
+              <a:t>16</a:t>
             </a:fld>
             <a:endParaRPr lang="en-GB"/>
           </a:p>
@@ -5460,7 +5975,7 @@
 </p:sld>
 </file>
 
-<file path=ppt/slides/slide17.xml><?xml version="1.0" encoding="utf-8"?>
+<file path=ppt/slides/slide18.xml><?xml version="1.0" encoding="utf-8"?>
 <p:sld xmlns:a="http://schemas.openxmlformats.org/drawingml/2006/main" xmlns:r="http://schemas.openxmlformats.org/officeDocument/2006/relationships" xmlns:p="http://schemas.openxmlformats.org/presentationml/2006/main">
   <p:cSld>
     <p:spTree>
@@ -5530,6 +6045,16 @@
             </a:pPr>
             <a:r>
               <a:rPr lang="en-GB" dirty="0"/>
+              <a:t>We’ll now look at implementing discrete-time models in R in the practical.</a:t>
+            </a:r>
+          </a:p>
+          <a:p>
+            <a:pPr lvl="1">
+              <a:buFont typeface="Arial" panose="020B0604020202020204" pitchFamily="34" charset="0"/>
+              <a:buChar char="•"/>
+            </a:pPr>
+            <a:r>
+              <a:rPr lang="en-GB" dirty="0"/>
               <a:t>Later today</a:t>
             </a:r>
             <a:r>
@@ -5585,7 +6110,7 @@
           <a:p>
             <a:fld id="{D7E6475D-BDED-4D62-A64C-203EC56ADB6A}" type="slidenum">
               <a:rPr lang="en-GB" smtClean="0"/>
-              <a:t>16</a:t>
+              <a:t>17</a:t>
             </a:fld>
             <a:endParaRPr lang="en-GB"/>
           </a:p>
@@ -5599,7 +6124,7 @@
 </p:sld>
 </file>
 
-<file path=ppt/slides/slide18.xml><?xml version="1.0" encoding="utf-8"?>
+<file path=ppt/slides/slide19.xml><?xml version="1.0" encoding="utf-8"?>
 <p:sld xmlns:a="http://schemas.openxmlformats.org/drawingml/2006/main" xmlns:r="http://schemas.openxmlformats.org/officeDocument/2006/relationships" xmlns:p="http://schemas.openxmlformats.org/presentationml/2006/main">
   <p:cSld>
     <p:spTree>
@@ -5673,7 +6198,7 @@
           <a:p>
             <a:fld id="{7D7EC250-E796-438C-AFE1-ABBE2451286B}" type="slidenum">
               <a:rPr lang="en-GB" smtClean="0"/>
-              <a:t>17</a:t>
+              <a:t>18</a:t>
             </a:fld>
             <a:endParaRPr lang="en-GB"/>
           </a:p>
@@ -5794,8 +6319,10 @@
               <a:buNone/>
             </a:pPr>
             <a:r>
-              <a:t>Discrete-time deterministic models</a:t>
-            </a:r>
+              <a:rPr lang="en-GB" dirty="0"/>
+              <a:t>Introduction</a:t>
+            </a:r>
+            <a:endParaRPr dirty="0"/>
           </a:p>
         </p:txBody>
       </p:sp>
@@ -5819,26 +6346,89 @@
           <a:bodyPr/>
           <a:lstStyle/>
           <a:p>
-            <a:pPr marL="0" lvl="1" indent="0">
-              <a:buNone/>
+            <a:pPr marL="285750" indent="-285750" algn="l">
+              <a:buFont typeface="Arial" panose="020B0604020202020204" pitchFamily="34" charset="0"/>
+              <a:buChar char="•"/>
             </a:pPr>
             <a:r>
-              <a:rPr sz="2000" dirty="0"/>
-              <a:t>Often we may want to </a:t>
-            </a:r>
-            <a:r>
-              <a:rPr lang="en-GB" sz="2000" dirty="0"/>
-              <a:t>model an epidemic in terms of a discrete time step</a:t>
-            </a:r>
-            <a:r>
-              <a:rPr sz="2000" dirty="0"/>
-              <a:t>, e.g. </a:t>
-            </a:r>
-            <a:r>
-              <a:rPr lang="en-GB" sz="2000" dirty="0"/>
-              <a:t>from one day or week to the next:</a:t>
-            </a:r>
-            <a:endParaRPr sz="2000" dirty="0"/>
+              <a:rPr lang="en-GB" sz="2000" b="0" i="0" dirty="0">
+                <a:effectLst/>
+                <a:latin typeface="Inter"/>
+              </a:rPr>
+              <a:t>Welcome to the lecture on Discrete-time deterministic models</a:t>
+            </a:r>
+          </a:p>
+          <a:p>
+            <a:pPr algn="l"/>
+            <a:endParaRPr lang="en-GB" sz="2000" b="0" i="0" dirty="0">
+              <a:effectLst/>
+              <a:latin typeface="Inter"/>
+            </a:endParaRPr>
+          </a:p>
+          <a:p>
+            <a:pPr marL="285750" indent="-285750" algn="l">
+              <a:buFont typeface="Arial" panose="020B0604020202020204" pitchFamily="34" charset="0"/>
+              <a:buChar char="•"/>
+            </a:pPr>
+            <a:r>
+              <a:rPr lang="en-GB" sz="2000" b="0" i="0" dirty="0">
+                <a:effectLst/>
+                <a:latin typeface="Inter"/>
+              </a:rPr>
+              <a:t>This session’s objectives:</a:t>
+            </a:r>
+          </a:p>
+          <a:p>
+            <a:pPr marL="843111" lvl="1" indent="-285750">
+              <a:buFont typeface="Arial" panose="020B0604020202020204" pitchFamily="34" charset="0"/>
+              <a:buChar char="•"/>
+            </a:pPr>
+            <a:r>
+              <a:rPr lang="en-GB" sz="2000" b="0" i="0" dirty="0">
+                <a:effectLst/>
+                <a:latin typeface="Inter"/>
+              </a:rPr>
+              <a:t>Understand the concept of discrete-time models</a:t>
+            </a:r>
+          </a:p>
+          <a:p>
+            <a:pPr marL="843111" lvl="1" indent="-285750">
+              <a:buFont typeface="Arial" panose="020B0604020202020204" pitchFamily="34" charset="0"/>
+              <a:buChar char="•"/>
+            </a:pPr>
+            <a:r>
+              <a:rPr lang="en-GB" sz="2000" b="0" i="0" dirty="0">
+                <a:effectLst/>
+                <a:latin typeface="Inter"/>
+              </a:rPr>
+              <a:t>Learn about difference equations</a:t>
+            </a:r>
+          </a:p>
+          <a:p>
+            <a:pPr marL="843111" lvl="1" indent="-285750">
+              <a:buFont typeface="Arial" panose="020B0604020202020204" pitchFamily="34" charset="0"/>
+              <a:buChar char="•"/>
+            </a:pPr>
+            <a:r>
+              <a:rPr lang="en-GB" sz="2000" b="0" i="0" dirty="0">
+                <a:effectLst/>
+                <a:latin typeface="Inter"/>
+              </a:rPr>
+              <a:t>Explore the SIR (Susceptible-Infectious-Recovered) model in discrete time</a:t>
+            </a:r>
+          </a:p>
+          <a:p>
+            <a:pPr marL="843111" lvl="1" indent="-285750">
+              <a:buFont typeface="Arial" panose="020B0604020202020204" pitchFamily="34" charset="0"/>
+              <a:buChar char="•"/>
+            </a:pPr>
+            <a:r>
+              <a:rPr lang="en-GB" sz="2000" b="0" i="0" dirty="0">
+                <a:effectLst/>
+                <a:latin typeface="Inter"/>
+              </a:rPr>
+              <a:t>Implement and analyse a discrete-time SIR model in R</a:t>
+            </a:r>
           </a:p>
         </p:txBody>
       </p:sp>
@@ -5871,12 +6461,159 @@
           </a:p>
         </p:txBody>
       </p:sp>
+    </p:spTree>
+  </p:cSld>
+  <p:clrMapOvr>
+    <a:masterClrMapping/>
+  </p:clrMapOvr>
+</p:sld>
+</file>
+
+<file path=ppt/slides/slide4.xml><?xml version="1.0" encoding="utf-8"?>
+<p:sld xmlns:a="http://schemas.openxmlformats.org/drawingml/2006/main" xmlns:r="http://schemas.openxmlformats.org/officeDocument/2006/relationships" xmlns:p="http://schemas.openxmlformats.org/presentationml/2006/main">
+  <p:cSld>
+    <p:spTree>
+      <p:nvGrpSpPr>
+        <p:cNvPr id="1" name="">
+          <a:extLst>
+            <a:ext uri="{FF2B5EF4-FFF2-40B4-BE49-F238E27FC236}">
+              <a16:creationId xmlns:a16="http://schemas.microsoft.com/office/drawing/2014/main" id="{4A3C0BB5-7259-3927-5C84-C88488654883}"/>
+            </a:ext>
+          </a:extLst>
+        </p:cNvPr>
+        <p:cNvGrpSpPr/>
+        <p:nvPr/>
+      </p:nvGrpSpPr>
+      <p:grpSpPr>
+        <a:xfrm>
+          <a:off x="0" y="0"/>
+          <a:ext cx="0" cy="0"/>
+          <a:chOff x="0" y="0"/>
+          <a:chExt cx="0" cy="0"/>
+        </a:xfrm>
+      </p:grpSpPr>
+      <p:sp>
+        <p:nvSpPr>
+          <p:cNvPr id="5" name="Title 1">
+            <a:extLst>
+              <a:ext uri="{FF2B5EF4-FFF2-40B4-BE49-F238E27FC236}">
+                <a16:creationId xmlns:a16="http://schemas.microsoft.com/office/drawing/2014/main" id="{ECF544E5-15BE-768E-0785-B7E878211737}"/>
+              </a:ext>
+            </a:extLst>
+          </p:cNvPr>
+          <p:cNvSpPr>
+            <a:spLocks noGrp="1"/>
+          </p:cNvSpPr>
+          <p:nvPr>
+            <p:ph type="title" hasCustomPrompt="1"/>
+          </p:nvPr>
+        </p:nvSpPr>
+        <p:spPr>
+          <a:xfrm>
+            <a:off x="457201" y="279132"/>
+            <a:ext cx="6705600" cy="623236"/>
+          </a:xfrm>
+          <a:prstGeom prst="rect">
+            <a:avLst/>
+          </a:prstGeom>
+        </p:spPr>
+        <p:txBody>
+          <a:bodyPr/>
+          <a:lstStyle/>
+          <a:p>
+            <a:pPr marL="0" lvl="0" indent="0">
+              <a:buNone/>
+            </a:pPr>
+            <a:r>
+              <a:t>Discrete-time deterministic models</a:t>
+            </a:r>
+          </a:p>
+        </p:txBody>
+      </p:sp>
+      <p:sp>
+        <p:nvSpPr>
+          <p:cNvPr id="3" name="Content Placeholder 2">
+            <a:extLst>
+              <a:ext uri="{FF2B5EF4-FFF2-40B4-BE49-F238E27FC236}">
+                <a16:creationId xmlns:a16="http://schemas.microsoft.com/office/drawing/2014/main" id="{92C60F25-9AFF-0083-FBFA-F7C8270DBCAB}"/>
+              </a:ext>
+            </a:extLst>
+          </p:cNvPr>
+          <p:cNvSpPr>
+            <a:spLocks noGrp="1"/>
+          </p:cNvSpPr>
+          <p:nvPr>
+            <p:ph idx="1" hasCustomPrompt="1"/>
+          </p:nvPr>
+        </p:nvSpPr>
+        <p:spPr>
+          <a:xfrm>
+            <a:off x="457200" y="1336497"/>
+            <a:ext cx="8229600" cy="783244"/>
+          </a:xfrm>
+        </p:spPr>
+        <p:txBody>
+          <a:bodyPr/>
+          <a:lstStyle/>
+          <a:p>
+            <a:pPr marL="0" lvl="1" indent="0">
+              <a:buNone/>
+            </a:pPr>
+            <a:r>
+              <a:rPr sz="2000" dirty="0"/>
+              <a:t>Often we may want to </a:t>
+            </a:r>
+            <a:r>
+              <a:rPr lang="en-GB" sz="2000" dirty="0"/>
+              <a:t>model an epidemic in terms of a discrete time step</a:t>
+            </a:r>
+            <a:r>
+              <a:rPr sz="2000" dirty="0"/>
+              <a:t>, e.g. </a:t>
+            </a:r>
+            <a:r>
+              <a:rPr lang="en-GB" sz="2000" dirty="0"/>
+              <a:t>from one day to the next:</a:t>
+            </a:r>
+            <a:endParaRPr sz="2000" dirty="0"/>
+          </a:p>
+        </p:txBody>
+      </p:sp>
+      <p:sp>
+        <p:nvSpPr>
+          <p:cNvPr id="2" name="Slide Number Placeholder 1">
+            <a:extLst>
+              <a:ext uri="{FF2B5EF4-FFF2-40B4-BE49-F238E27FC236}">
+                <a16:creationId xmlns:a16="http://schemas.microsoft.com/office/drawing/2014/main" id="{A0D0A95C-64E7-36A1-06DC-7E16A11B6776}"/>
+              </a:ext>
+            </a:extLst>
+          </p:cNvPr>
+          <p:cNvSpPr>
+            <a:spLocks noGrp="1"/>
+          </p:cNvSpPr>
+          <p:nvPr>
+            <p:ph type="sldNum" sz="quarter" idx="4"/>
+          </p:nvPr>
+        </p:nvSpPr>
+        <p:spPr/>
+        <p:txBody>
+          <a:bodyPr/>
+          <a:lstStyle/>
+          <a:p>
+            <a:fld id="{D7E6475D-BDED-4D62-A64C-203EC56ADB6A}" type="slidenum">
+              <a:rPr lang="en-GB" smtClean="0"/>
+              <a:t>3</a:t>
+            </a:fld>
+            <a:endParaRPr lang="en-GB"/>
+          </a:p>
+        </p:txBody>
+      </p:sp>
       <p:sp>
         <p:nvSpPr>
           <p:cNvPr id="7" name="Rectangle 6">
             <a:extLst>
               <a:ext uri="{FF2B5EF4-FFF2-40B4-BE49-F238E27FC236}">
-                <a16:creationId xmlns:a16="http://schemas.microsoft.com/office/drawing/2014/main" id="{A80F6806-09C5-C05F-63CA-949A7473FFB3}"/>
+                <a16:creationId xmlns:a16="http://schemas.microsoft.com/office/drawing/2014/main" id="{871163A8-008A-55F2-6488-6AD6187E4FE9}"/>
               </a:ext>
             </a:extLst>
           </p:cNvPr>
@@ -5938,7 +6675,7 @@
           <p:cNvPr id="8" name="Rectangle 7">
             <a:extLst>
               <a:ext uri="{FF2B5EF4-FFF2-40B4-BE49-F238E27FC236}">
-                <a16:creationId xmlns:a16="http://schemas.microsoft.com/office/drawing/2014/main" id="{80D13016-BE74-C250-46F5-7D21D973D2C2}"/>
+                <a16:creationId xmlns:a16="http://schemas.microsoft.com/office/drawing/2014/main" id="{6FE55D30-4CA5-369D-8243-B613645392A8}"/>
               </a:ext>
             </a:extLst>
           </p:cNvPr>
@@ -5999,7 +6736,7 @@
           <p:cNvPr id="9" name="Rectangle 8">
             <a:extLst>
               <a:ext uri="{FF2B5EF4-FFF2-40B4-BE49-F238E27FC236}">
-                <a16:creationId xmlns:a16="http://schemas.microsoft.com/office/drawing/2014/main" id="{34DDC1A0-562D-F5D6-0AE3-F6152EF8E6F0}"/>
+                <a16:creationId xmlns:a16="http://schemas.microsoft.com/office/drawing/2014/main" id="{D71FB07F-2CCC-1EC2-B7F4-BBAE292EA857}"/>
               </a:ext>
             </a:extLst>
           </p:cNvPr>
@@ -6060,7 +6797,7 @@
           <p:cNvPr id="10" name="TextBox 9">
             <a:extLst>
               <a:ext uri="{FF2B5EF4-FFF2-40B4-BE49-F238E27FC236}">
-                <a16:creationId xmlns:a16="http://schemas.microsoft.com/office/drawing/2014/main" id="{94BAFEAD-3FEC-A2A1-2140-0BCE29C96594}"/>
+                <a16:creationId xmlns:a16="http://schemas.microsoft.com/office/drawing/2014/main" id="{DC688EE4-7C7F-068B-4559-CFCE2262785D}"/>
               </a:ext>
             </a:extLst>
           </p:cNvPr>
@@ -6096,7 +6833,7 @@
           <p:cNvPr id="11" name="Rectangle 10">
             <a:extLst>
               <a:ext uri="{FF2B5EF4-FFF2-40B4-BE49-F238E27FC236}">
-                <a16:creationId xmlns:a16="http://schemas.microsoft.com/office/drawing/2014/main" id="{F672F54F-1E68-7D1E-350A-BAC069F5340D}"/>
+                <a16:creationId xmlns:a16="http://schemas.microsoft.com/office/drawing/2014/main" id="{A493EDDF-4C18-98F8-C9DC-425D82C1B66F}"/>
               </a:ext>
             </a:extLst>
           </p:cNvPr>
@@ -6158,7 +6895,7 @@
           <p:cNvPr id="12" name="Rectangle 11">
             <a:extLst>
               <a:ext uri="{FF2B5EF4-FFF2-40B4-BE49-F238E27FC236}">
-                <a16:creationId xmlns:a16="http://schemas.microsoft.com/office/drawing/2014/main" id="{EC88C935-F482-B35D-687A-453EDC396669}"/>
+                <a16:creationId xmlns:a16="http://schemas.microsoft.com/office/drawing/2014/main" id="{D2398E34-86D2-6525-DDA1-19044A40D0B4}"/>
               </a:ext>
             </a:extLst>
           </p:cNvPr>
@@ -6219,7 +6956,7 @@
           <p:cNvPr id="13" name="Rectangle 12">
             <a:extLst>
               <a:ext uri="{FF2B5EF4-FFF2-40B4-BE49-F238E27FC236}">
-                <a16:creationId xmlns:a16="http://schemas.microsoft.com/office/drawing/2014/main" id="{4BFDF0D7-7E82-039D-7A35-CA45BC3E7FB4}"/>
+                <a16:creationId xmlns:a16="http://schemas.microsoft.com/office/drawing/2014/main" id="{443E0537-0D57-18DC-CCE0-F2819A1634CA}"/>
               </a:ext>
             </a:extLst>
           </p:cNvPr>
@@ -6280,7 +7017,7 @@
           <p:cNvPr id="14" name="TextBox 13">
             <a:extLst>
               <a:ext uri="{FF2B5EF4-FFF2-40B4-BE49-F238E27FC236}">
-                <a16:creationId xmlns:a16="http://schemas.microsoft.com/office/drawing/2014/main" id="{5D4D9E14-FCD5-D95C-93A8-513A3E7FD37B}"/>
+                <a16:creationId xmlns:a16="http://schemas.microsoft.com/office/drawing/2014/main" id="{8255F400-3452-1DDF-1100-FD1F84F46B69}"/>
               </a:ext>
             </a:extLst>
           </p:cNvPr>
@@ -6316,7 +7053,7 @@
           <p:cNvPr id="15" name="TextBox 14">
             <a:extLst>
               <a:ext uri="{FF2B5EF4-FFF2-40B4-BE49-F238E27FC236}">
-                <a16:creationId xmlns:a16="http://schemas.microsoft.com/office/drawing/2014/main" id="{F375B364-8112-4B19-1802-DA58E13BB409}"/>
+                <a16:creationId xmlns:a16="http://schemas.microsoft.com/office/drawing/2014/main" id="{34D21DAF-FA5D-82DF-555B-B05170032C3A}"/>
               </a:ext>
             </a:extLst>
           </p:cNvPr>
@@ -6352,7 +7089,7 @@
           <p:cNvPr id="16" name="Rectangle 15">
             <a:extLst>
               <a:ext uri="{FF2B5EF4-FFF2-40B4-BE49-F238E27FC236}">
-                <a16:creationId xmlns:a16="http://schemas.microsoft.com/office/drawing/2014/main" id="{844AB973-7F7E-59C0-9264-6BD269248FCB}"/>
+                <a16:creationId xmlns:a16="http://schemas.microsoft.com/office/drawing/2014/main" id="{0AE20BE5-7B00-64CD-F267-F9D7A4499D13}"/>
               </a:ext>
             </a:extLst>
           </p:cNvPr>
@@ -6414,7 +7151,7 @@
           <p:cNvPr id="17" name="Rectangle 16">
             <a:extLst>
               <a:ext uri="{FF2B5EF4-FFF2-40B4-BE49-F238E27FC236}">
-                <a16:creationId xmlns:a16="http://schemas.microsoft.com/office/drawing/2014/main" id="{2B46BC6E-938D-3BAC-0D3C-92DDA3D82CB7}"/>
+                <a16:creationId xmlns:a16="http://schemas.microsoft.com/office/drawing/2014/main" id="{637994B9-4260-8B53-2596-28F85B1D8668}"/>
               </a:ext>
             </a:extLst>
           </p:cNvPr>
@@ -6475,7 +7212,7 @@
           <p:cNvPr id="18" name="Rectangle 17">
             <a:extLst>
               <a:ext uri="{FF2B5EF4-FFF2-40B4-BE49-F238E27FC236}">
-                <a16:creationId xmlns:a16="http://schemas.microsoft.com/office/drawing/2014/main" id="{A8AAFB3B-7472-41DF-497A-98D1CC84DE8F}"/>
+                <a16:creationId xmlns:a16="http://schemas.microsoft.com/office/drawing/2014/main" id="{34C7DD33-817D-496C-93DF-628F1E6426C2}"/>
               </a:ext>
             </a:extLst>
           </p:cNvPr>
@@ -6536,7 +7273,7 @@
           <p:cNvPr id="19" name="Straight Arrow Connector 18">
             <a:extLst>
               <a:ext uri="{FF2B5EF4-FFF2-40B4-BE49-F238E27FC236}">
-                <a16:creationId xmlns:a16="http://schemas.microsoft.com/office/drawing/2014/main" id="{53956102-A496-6972-884E-11878C742773}"/>
+                <a16:creationId xmlns:a16="http://schemas.microsoft.com/office/drawing/2014/main" id="{F104ACDD-EE70-9313-FB7B-61448A78ADF0}"/>
               </a:ext>
             </a:extLst>
           </p:cNvPr>
@@ -6578,7 +7315,7 @@
           <p:cNvPr id="20" name="Straight Arrow Connector 19">
             <a:extLst>
               <a:ext uri="{FF2B5EF4-FFF2-40B4-BE49-F238E27FC236}">
-                <a16:creationId xmlns:a16="http://schemas.microsoft.com/office/drawing/2014/main" id="{30096608-7D14-95B6-5010-1F10FECFA5C5}"/>
+                <a16:creationId xmlns:a16="http://schemas.microsoft.com/office/drawing/2014/main" id="{7F73C764-6575-1508-1740-3F58D34FD4A5}"/>
               </a:ext>
             </a:extLst>
           </p:cNvPr>
@@ -6618,7 +7355,7 @@
           <p:cNvPr id="21" name="Straight Arrow Connector 20">
             <a:extLst>
               <a:ext uri="{FF2B5EF4-FFF2-40B4-BE49-F238E27FC236}">
-                <a16:creationId xmlns:a16="http://schemas.microsoft.com/office/drawing/2014/main" id="{BBB2AA18-987D-49DC-D3C5-67A84719C833}"/>
+                <a16:creationId xmlns:a16="http://schemas.microsoft.com/office/drawing/2014/main" id="{8282C9AD-903D-37C4-1D06-1F5E91E30552}"/>
               </a:ext>
             </a:extLst>
           </p:cNvPr>
@@ -6658,7 +7395,7 @@
           <p:cNvPr id="22" name="Straight Arrow Connector 21">
             <a:extLst>
               <a:ext uri="{FF2B5EF4-FFF2-40B4-BE49-F238E27FC236}">
-                <a16:creationId xmlns:a16="http://schemas.microsoft.com/office/drawing/2014/main" id="{903E2F2C-BC4E-FF6F-D1E4-9F179F63C37B}"/>
+                <a16:creationId xmlns:a16="http://schemas.microsoft.com/office/drawing/2014/main" id="{188840DA-221C-8456-E031-D1A47E6B8391}"/>
               </a:ext>
             </a:extLst>
           </p:cNvPr>
@@ -6698,7 +7435,7 @@
           <p:cNvPr id="23" name="Straight Arrow Connector 22">
             <a:extLst>
               <a:ext uri="{FF2B5EF4-FFF2-40B4-BE49-F238E27FC236}">
-                <a16:creationId xmlns:a16="http://schemas.microsoft.com/office/drawing/2014/main" id="{EAFB8C4D-5E7F-C861-A83E-67E858E29886}"/>
+                <a16:creationId xmlns:a16="http://schemas.microsoft.com/office/drawing/2014/main" id="{E07CB2F6-CF54-C855-4B1F-FEB745A344EC}"/>
               </a:ext>
             </a:extLst>
           </p:cNvPr>
@@ -6738,7 +7475,7 @@
           <p:cNvPr id="24" name="Straight Arrow Connector 23">
             <a:extLst>
               <a:ext uri="{FF2B5EF4-FFF2-40B4-BE49-F238E27FC236}">
-                <a16:creationId xmlns:a16="http://schemas.microsoft.com/office/drawing/2014/main" id="{24ACB016-D88A-11DA-B3C2-A7E7249FE37E}"/>
+                <a16:creationId xmlns:a16="http://schemas.microsoft.com/office/drawing/2014/main" id="{1F8428AE-EF8D-8DD7-4D87-2A981F53D43B}"/>
               </a:ext>
             </a:extLst>
           </p:cNvPr>
@@ -6778,7 +7515,7 @@
           <p:cNvPr id="25" name="Straight Arrow Connector 24">
             <a:extLst>
               <a:ext uri="{FF2B5EF4-FFF2-40B4-BE49-F238E27FC236}">
-                <a16:creationId xmlns:a16="http://schemas.microsoft.com/office/drawing/2014/main" id="{591B244A-5F45-36A1-A21D-92257F7CDA37}"/>
+                <a16:creationId xmlns:a16="http://schemas.microsoft.com/office/drawing/2014/main" id="{43948EBD-939D-6595-CFCF-8D4CBB21C499}"/>
               </a:ext>
             </a:extLst>
           </p:cNvPr>
@@ -6818,7 +7555,7 @@
           <p:cNvPr id="26" name="Straight Arrow Connector 25">
             <a:extLst>
               <a:ext uri="{FF2B5EF4-FFF2-40B4-BE49-F238E27FC236}">
-                <a16:creationId xmlns:a16="http://schemas.microsoft.com/office/drawing/2014/main" id="{8D466858-3774-95E7-62C4-15C701FCB4E4}"/>
+                <a16:creationId xmlns:a16="http://schemas.microsoft.com/office/drawing/2014/main" id="{444A595C-E5E4-73A6-099B-1D6B067E889D}"/>
               </a:ext>
             </a:extLst>
           </p:cNvPr>
@@ -6858,7 +7595,7 @@
           <p:cNvPr id="27" name="Straight Arrow Connector 26">
             <a:extLst>
               <a:ext uri="{FF2B5EF4-FFF2-40B4-BE49-F238E27FC236}">
-                <a16:creationId xmlns:a16="http://schemas.microsoft.com/office/drawing/2014/main" id="{036BC4D6-71B7-07A5-5D38-19145505C626}"/>
+                <a16:creationId xmlns:a16="http://schemas.microsoft.com/office/drawing/2014/main" id="{D69CC8B1-9CAE-A17A-4A7A-13476966089F}"/>
               </a:ext>
             </a:extLst>
           </p:cNvPr>
@@ -6894,6 +7631,11 @@
         </p:style>
       </p:cxnSp>
     </p:spTree>
+    <p:extLst>
+      <p:ext uri="{BB962C8B-B14F-4D97-AF65-F5344CB8AC3E}">
+        <p14:creationId xmlns:p14="http://schemas.microsoft.com/office/powerpoint/2010/main" val="2331682441"/>
+      </p:ext>
+    </p:extLst>
   </p:cSld>
   <p:clrMapOvr>
     <a:masterClrMapping/>
@@ -6901,7 +7643,7 @@
 </p:sld>
 </file>
 
-<file path=ppt/slides/slide4.xml><?xml version="1.0" encoding="utf-8"?>
+<file path=ppt/slides/slide5.xml><?xml version="1.0" encoding="utf-8"?>
 <p:sld xmlns:a="http://schemas.openxmlformats.org/drawingml/2006/main" xmlns:r="http://schemas.openxmlformats.org/officeDocument/2006/relationships" xmlns:p="http://schemas.openxmlformats.org/presentationml/2006/main">
   <p:cSld>
     <p:spTree>
@@ -6962,7 +7704,12 @@
                 <p:ph idx="1" hasCustomPrompt="1"/>
               </p:nvPr>
             </p:nvSpPr>
-            <p:spPr/>
+            <p:spPr>
+              <a:xfrm>
+                <a:off x="457200" y="1273711"/>
+                <a:ext cx="8229600" cy="4821382"/>
+              </a:xfrm>
+            </p:spPr>
             <p:txBody>
               <a:bodyPr/>
               <a:lstStyle/>
@@ -7275,15 +8022,22 @@
                 </a:r>
                 <a:r>
                   <a:rPr lang="en-GB" sz="2000" dirty="0"/>
-                  <a:t>, the solution of which can be approximated simply for discrete time steps using </a:t>
+                  <a:t>, the solution of which can be solved exactly by iteratively applying the update function for each discrete time step.</a:t>
                 </a:r>
-                <a:r>
-                  <a:rPr lang="en-GB" sz="2000" b="1" dirty="0"/>
-                  <a:t>Euler’s method</a:t>
-                </a:r>
+              </a:p>
+              <a:p>
+                <a:pPr marL="0" lvl="1" indent="0">
+                  <a:buNone/>
+                </a:pPr>
+                <a:endParaRPr lang="en-GB" sz="2000" dirty="0"/>
+              </a:p>
+              <a:p>
+                <a:pPr marL="0" lvl="1" indent="0">
+                  <a:buNone/>
+                </a:pPr>
                 <a:r>
                   <a:rPr lang="en-GB" sz="2000" dirty="0"/>
-                  <a:t>.</a:t>
+                  <a:t>Example: If you have £100 in a bank account and earn 5% interest yearly, next year you'd have: £100 * (1 + 0.05) = £105</a:t>
                 </a:r>
                 <a:endParaRPr sz="2000" dirty="0"/>
               </a:p>
@@ -7302,10 +8056,14 @@
               </p:nvPr>
             </p:nvSpPr>
             <p:spPr>
+              <a:xfrm>
+                <a:off x="457200" y="1273711"/>
+                <a:ext cx="8229600" cy="4821382"/>
+              </a:xfrm>
               <a:blipFill>
                 <a:blip r:embed="rId2"/>
                 <a:stretch>
-                  <a:fillRect l="-772" t="-789" r="-1080"/>
+                  <a:fillRect l="-772" t="-787" r="-1080" b="-11286"/>
                 </a:stretch>
               </a:blipFill>
             </p:spPr>
@@ -7314,7 +8072,7 @@
               <a:lstStyle/>
               <a:p>
                 <a:r>
-                  <a:rPr lang="en-GB">
+                  <a:rPr lang="en-US">
                     <a:noFill/>
                   </a:rPr>
                   <a:t> </a:t>
@@ -7347,7 +8105,7 @@
           <a:p>
             <a:fld id="{D7E6475D-BDED-4D62-A64C-203EC56ADB6A}" type="slidenum">
               <a:rPr lang="en-GB" smtClean="0"/>
-              <a:t>3</a:t>
+              <a:t>4</a:t>
             </a:fld>
             <a:endParaRPr lang="en-GB"/>
           </a:p>
@@ -7366,7 +8124,7 @@
 </p:sld>
 </file>
 
-<file path=ppt/slides/slide5.xml><?xml version="1.0" encoding="utf-8"?>
+<file path=ppt/slides/slide6.xml><?xml version="1.0" encoding="utf-8"?>
 <p:sld xmlns:a="http://schemas.openxmlformats.org/drawingml/2006/main" xmlns:r="http://schemas.openxmlformats.org/officeDocument/2006/relationships" xmlns:p="http://schemas.openxmlformats.org/presentationml/2006/main">
   <p:cSld>
     <p:spTree>
@@ -7808,7 +8566,7 @@
           <a:p>
             <a:fld id="{D7E6475D-BDED-4D62-A64C-203EC56ADB6A}" type="slidenum">
               <a:rPr lang="en-GB" smtClean="0"/>
-              <a:t>4</a:t>
+              <a:t>5</a:t>
             </a:fld>
             <a:endParaRPr lang="en-GB"/>
           </a:p>
@@ -7822,7 +8580,7 @@
 </p:sld>
 </file>
 
-<file path=ppt/slides/slide6.xml><?xml version="1.0" encoding="utf-8"?>
+<file path=ppt/slides/slide7.xml><?xml version="1.0" encoding="utf-8"?>
 <p:sld xmlns:a="http://schemas.openxmlformats.org/drawingml/2006/main" xmlns:r="http://schemas.openxmlformats.org/officeDocument/2006/relationships" xmlns:p="http://schemas.openxmlformats.org/presentationml/2006/main">
   <p:cSld>
     <p:spTree>
@@ -7871,8 +8629,8 @@
           </a:p>
         </p:txBody>
       </p:sp>
-      <mc:AlternateContent xmlns:mc="http://schemas.openxmlformats.org/markup-compatibility/2006" xmlns:a14="http://schemas.microsoft.com/office/drawing/2010/main">
-        <mc:Choice Requires="a14">
+      <mc:AlternateContent xmlns:mc="http://schemas.openxmlformats.org/markup-compatibility/2006">
+        <mc:Choice xmlns:a14="http://schemas.microsoft.com/office/drawing/2010/main" Requires="a14">
           <p:sp>
             <p:nvSpPr>
               <p:cNvPr id="3" name="Content Placeholder 2"/>
@@ -8087,7 +8845,22 @@
                   <a:rPr lang="en-GB" sz="2100" dirty="0">
                     <a:latin typeface="+mn-lt"/>
                   </a:rPr>
-                  <a:t> is the recovery rate, and 1/</a:t>
+                  <a:t> is the recovery rate.</a:t>
+                </a:r>
+              </a:p>
+              <a:p>
+                <a:pPr lvl="0"/>
+                <a:endParaRPr lang="en-GB" sz="2100" dirty="0">
+                  <a:latin typeface="+mn-lt"/>
+                </a:endParaRPr>
+              </a:p>
+              <a:p>
+                <a:pPr lvl="0"/>
+                <a:r>
+                  <a:rPr lang="en-GB" sz="2100" dirty="0">
+                    <a:latin typeface="+mn-lt"/>
+                  </a:rPr>
+                  <a:t>(The mean time spent infectious is then 1/</a:t>
                 </a:r>
                 <a:r>
                   <a:rPr lang="el-GR" sz="2100" dirty="0">
@@ -8099,7 +8872,7 @@
                   <a:rPr lang="en-GB" sz="2100" dirty="0">
                     <a:latin typeface="+mn-lt"/>
                   </a:rPr>
-                  <a:t> is the mean time spent infectious (1/rate = duration).</a:t>
+                  <a:t> (1/rate = duration)).</a:t>
                 </a:r>
                 <a:endParaRPr sz="2100" dirty="0">
                   <a:latin typeface="+mn-lt"/>
@@ -8108,7 +8881,7 @@
             </p:txBody>
           </p:sp>
         </mc:Choice>
-        <mc:Fallback xmlns="">
+        <mc:Fallback>
           <p:sp>
             <p:nvSpPr>
               <p:cNvPr id="3" name="Content Placeholder 2"/>
@@ -8123,7 +8896,7 @@
               <a:blipFill>
                 <a:blip r:embed="rId2"/>
                 <a:stretch>
-                  <a:fillRect l="-889" t="-759"/>
+                  <a:fillRect l="-926" t="-789"/>
                 </a:stretch>
               </a:blipFill>
             </p:spPr>
@@ -8132,7 +8905,7 @@
               <a:lstStyle/>
               <a:p>
                 <a:r>
-                  <a:rPr lang="en-GB">
+                  <a:rPr lang="en-US">
                     <a:noFill/>
                   </a:rPr>
                   <a:t> </a:t>
@@ -8165,7 +8938,7 @@
           <a:p>
             <a:fld id="{D7E6475D-BDED-4D62-A64C-203EC56ADB6A}" type="slidenum">
               <a:rPr lang="en-GB" smtClean="0"/>
-              <a:t>5</a:t>
+              <a:t>6</a:t>
             </a:fld>
             <a:endParaRPr lang="en-GB"/>
           </a:p>
@@ -8179,7 +8952,7 @@
 </p:sld>
 </file>
 
-<file path=ppt/slides/slide7.xml><?xml version="1.0" encoding="utf-8"?>
+<file path=ppt/slides/slide8.xml><?xml version="1.0" encoding="utf-8"?>
 <p:sld xmlns:a="http://schemas.openxmlformats.org/drawingml/2006/main" xmlns:r="http://schemas.openxmlformats.org/officeDocument/2006/relationships" xmlns:p="http://schemas.openxmlformats.org/presentationml/2006/main">
   <p:cSld>
     <p:spTree>
@@ -8228,8 +9001,8 @@
           </a:p>
         </p:txBody>
       </p:sp>
-      <mc:AlternateContent xmlns:mc="http://schemas.openxmlformats.org/markup-compatibility/2006" xmlns:a14="http://schemas.microsoft.com/office/drawing/2010/main">
-        <mc:Choice Requires="a14">
+      <mc:AlternateContent xmlns:mc="http://schemas.openxmlformats.org/markup-compatibility/2006">
+        <mc:Choice xmlns:a14="http://schemas.microsoft.com/office/drawing/2010/main" Requires="a14">
           <p:sp>
             <p:nvSpPr>
               <p:cNvPr id="3" name="Content Placeholder 2"/>
@@ -8250,7 +9023,7 @@
                 </a:pPr>
                 <a:r>
                   <a:rPr lang="en-GB" sz="2100" dirty="0"/>
-                  <a:t>The only transitions between states are </a:t>
+                  <a:t>The only transitions between states in our model are </a:t>
                 </a:r>
                 <a:r>
                   <a:rPr lang="en-GB" sz="2100" dirty="0">
@@ -8575,7 +9348,7 @@
             </p:txBody>
           </p:sp>
         </mc:Choice>
-        <mc:Fallback xmlns="">
+        <mc:Fallback>
           <p:sp>
             <p:nvSpPr>
               <p:cNvPr id="3" name="Content Placeholder 2"/>
@@ -8590,7 +9363,7 @@
               <a:blipFill>
                 <a:blip r:embed="rId2"/>
                 <a:stretch>
-                  <a:fillRect l="-889" t="-759"/>
+                  <a:fillRect l="-926" t="-789"/>
                 </a:stretch>
               </a:blipFill>
             </p:spPr>
@@ -8599,7 +9372,7 @@
               <a:lstStyle/>
               <a:p>
                 <a:r>
-                  <a:rPr lang="en-GB">
+                  <a:rPr lang="en-US">
                     <a:noFill/>
                   </a:rPr>
                   <a:t> </a:t>
@@ -8632,7 +9405,7 @@
           <a:p>
             <a:fld id="{D7E6475D-BDED-4D62-A64C-203EC56ADB6A}" type="slidenum">
               <a:rPr lang="en-GB" smtClean="0"/>
-              <a:t>6</a:t>
+              <a:t>7</a:t>
             </a:fld>
             <a:endParaRPr lang="en-GB"/>
           </a:p>
@@ -8646,7 +9419,7 @@
 </p:sld>
 </file>
 
-<file path=ppt/slides/slide8.xml><?xml version="1.0" encoding="utf-8"?>
+<file path=ppt/slides/slide9.xml><?xml version="1.0" encoding="utf-8"?>
 <p:sld xmlns:a="http://schemas.openxmlformats.org/drawingml/2006/main" xmlns:r="http://schemas.openxmlformats.org/officeDocument/2006/relationships" xmlns:p="http://schemas.openxmlformats.org/presentationml/2006/main">
   <p:cSld>
     <p:spTree>
@@ -9527,520 +10300,6 @@
           <a:p>
             <a:fld id="{D7E6475D-BDED-4D62-A64C-203EC56ADB6A}" type="slidenum">
               <a:rPr lang="en-GB" smtClean="0"/>
-              <a:t>7</a:t>
-            </a:fld>
-            <a:endParaRPr lang="en-GB"/>
-          </a:p>
-        </p:txBody>
-      </p:sp>
-    </p:spTree>
-  </p:cSld>
-  <p:clrMapOvr>
-    <a:masterClrMapping/>
-  </p:clrMapOvr>
-</p:sld>
-</file>
-
-<file path=ppt/slides/slide9.xml><?xml version="1.0" encoding="utf-8"?>
-<p:sld xmlns:a="http://schemas.openxmlformats.org/drawingml/2006/main" xmlns:r="http://schemas.openxmlformats.org/officeDocument/2006/relationships" xmlns:p="http://schemas.openxmlformats.org/presentationml/2006/main">
-  <p:cSld>
-    <p:spTree>
-      <p:nvGrpSpPr>
-        <p:cNvPr id="1" name=""/>
-        <p:cNvGrpSpPr/>
-        <p:nvPr/>
-      </p:nvGrpSpPr>
-      <p:grpSpPr>
-        <a:xfrm>
-          <a:off x="0" y="0"/>
-          <a:ext cx="0" cy="0"/>
-          <a:chOff x="0" y="0"/>
-          <a:chExt cx="0" cy="0"/>
-        </a:xfrm>
-      </p:grpSpPr>
-      <p:sp>
-        <p:nvSpPr>
-          <p:cNvPr id="5" name="Title 1"/>
-          <p:cNvSpPr>
-            <a:spLocks noGrp="1"/>
-          </p:cNvSpPr>
-          <p:nvPr>
-            <p:ph type="title" hasCustomPrompt="1"/>
-          </p:nvPr>
-        </p:nvSpPr>
-        <p:spPr>
-          <a:xfrm>
-            <a:off x="457201" y="279132"/>
-            <a:ext cx="6705600" cy="623236"/>
-          </a:xfrm>
-          <a:prstGeom prst="rect">
-            <a:avLst/>
-          </a:prstGeom>
-        </p:spPr>
-        <p:txBody>
-          <a:bodyPr/>
-          <a:lstStyle/>
-          <a:p>
-            <a:pPr marL="0" lvl="0" indent="0">
-              <a:buNone/>
-            </a:pPr>
-            <a:r>
-              <a:t>SIR example</a:t>
-            </a:r>
-          </a:p>
-        </p:txBody>
-      </p:sp>
-      <mc:AlternateContent xmlns:mc="http://schemas.openxmlformats.org/markup-compatibility/2006" xmlns:a14="http://schemas.microsoft.com/office/drawing/2010/main">
-        <mc:Choice Requires="a14">
-          <p:sp>
-            <p:nvSpPr>
-              <p:cNvPr id="3" name="Content Placeholder 2"/>
-              <p:cNvSpPr>
-                <a:spLocks noGrp="1"/>
-              </p:cNvSpPr>
-              <p:nvPr>
-                <p:ph idx="1" hasCustomPrompt="1"/>
-              </p:nvPr>
-            </p:nvSpPr>
-            <p:spPr/>
-            <p:txBody>
-              <a:bodyPr/>
-              <a:lstStyle/>
-              <a:p>
-                <a:pPr marL="0" lvl="1" indent="0">
-                  <a:buNone/>
-                </a:pPr>
-                <a:r>
-                  <a:rPr lang="en-GB" dirty="0"/>
-                  <a:t>This system can also be written in vector form as:</a:t>
-                </a:r>
-              </a:p>
-              <a:p>
-                <a:pPr lvl="1">
-                  <a:buFont typeface="Arial" panose="020B0604020202020204" pitchFamily="34" charset="0"/>
-                  <a:buChar char="•"/>
-                </a:pPr>
-                <a:endParaRPr lang="en-GB" dirty="0"/>
-              </a:p>
-              <a:p>
-                <a:pPr lvl="0"/>
-                <a14:m>
-                  <m:oMathPara xmlns:m="http://schemas.openxmlformats.org/officeDocument/2006/math">
-                    <m:oMathParaPr>
-                      <m:jc m:val="center"/>
-                    </m:oMathParaPr>
-                    <m:oMath xmlns:m="http://schemas.openxmlformats.org/officeDocument/2006/math">
-                      <m:sSub>
-                        <m:sSubPr>
-                          <m:ctrlPr>
-                            <a:rPr lang="ar-AE" i="1">
-                              <a:latin typeface="Cambria Math" panose="02040503050406030204" pitchFamily="18" charset="0"/>
-                            </a:rPr>
-                          </m:ctrlPr>
-                        </m:sSubPr>
-                        <m:e>
-                          <m:d>
-                            <m:dPr>
-                              <m:begChr m:val="["/>
-                              <m:endChr m:val="]"/>
-                              <m:ctrlPr>
-                                <a:rPr lang="ar-AE" i="1">
-                                  <a:latin typeface="Cambria Math" panose="02040503050406030204" pitchFamily="18" charset="0"/>
-                                </a:rPr>
-                              </m:ctrlPr>
-                            </m:dPr>
-                            <m:e>
-                              <m:m>
-                                <m:mPr>
-                                  <m:mcs>
-                                    <m:mc>
-                                      <m:mcPr>
-                                        <m:count m:val="1"/>
-                                        <m:mcJc m:val="center"/>
-                                      </m:mcPr>
-                                    </m:mc>
-                                  </m:mcs>
-                                  <m:ctrlPr>
-                                    <a:rPr lang="ar-AE" i="1">
-                                      <a:latin typeface="Cambria Math" panose="02040503050406030204" pitchFamily="18" charset="0"/>
-                                    </a:rPr>
-                                  </m:ctrlPr>
-                                </m:mPr>
-                                <m:mr>
-                                  <m:e>
-                                    <m:r>
-                                      <a:rPr lang="ar-AE">
-                                        <a:latin typeface="Cambria Math" panose="02040503050406030204" pitchFamily="18" charset="0"/>
-                                      </a:rPr>
-                                      <m:t>𝑆</m:t>
-                                    </m:r>
-                                  </m:e>
-                                </m:mr>
-                                <m:mr>
-                                  <m:e>
-                                    <m:r>
-                                      <a:rPr lang="ar-AE">
-                                        <a:latin typeface="Cambria Math" panose="02040503050406030204" pitchFamily="18" charset="0"/>
-                                      </a:rPr>
-                                      <m:t>𝐼</m:t>
-                                    </m:r>
-                                  </m:e>
-                                </m:mr>
-                                <m:mr>
-                                  <m:e>
-                                    <m:r>
-                                      <a:rPr lang="ar-AE">
-                                        <a:latin typeface="Cambria Math" panose="02040503050406030204" pitchFamily="18" charset="0"/>
-                                      </a:rPr>
-                                      <m:t>𝑅</m:t>
-                                    </m:r>
-                                  </m:e>
-                                </m:mr>
-                              </m:m>
-                            </m:e>
-                          </m:d>
-                        </m:e>
-                        <m:sub>
-                          <m:r>
-                            <a:rPr lang="ar-AE">
-                              <a:latin typeface="Cambria Math" panose="02040503050406030204" pitchFamily="18" charset="0"/>
-                            </a:rPr>
-                            <m:t>𝑡</m:t>
-                          </m:r>
-                          <m:r>
-                            <a:rPr lang="ar-AE">
-                              <a:latin typeface="Cambria Math" panose="02040503050406030204" pitchFamily="18" charset="0"/>
-                            </a:rPr>
-                            <m:t>+1</m:t>
-                          </m:r>
-                        </m:sub>
-                      </m:sSub>
-                      <m:r>
-                        <a:rPr lang="ar-AE">
-                          <a:latin typeface="Cambria Math" panose="02040503050406030204" pitchFamily="18" charset="0"/>
-                        </a:rPr>
-                        <m:t>=</m:t>
-                      </m:r>
-                      <m:sSub>
-                        <m:sSubPr>
-                          <m:ctrlPr>
-                            <a:rPr lang="ar-AE" i="1">
-                              <a:latin typeface="Cambria Math" panose="02040503050406030204" pitchFamily="18" charset="0"/>
-                            </a:rPr>
-                          </m:ctrlPr>
-                        </m:sSubPr>
-                        <m:e>
-                          <m:d>
-                            <m:dPr>
-                              <m:begChr m:val="["/>
-                              <m:endChr m:val="]"/>
-                              <m:ctrlPr>
-                                <a:rPr lang="ar-AE" i="1">
-                                  <a:latin typeface="Cambria Math" panose="02040503050406030204" pitchFamily="18" charset="0"/>
-                                </a:rPr>
-                              </m:ctrlPr>
-                            </m:dPr>
-                            <m:e>
-                              <m:m>
-                                <m:mPr>
-                                  <m:mcs>
-                                    <m:mc>
-                                      <m:mcPr>
-                                        <m:count m:val="1"/>
-                                        <m:mcJc m:val="center"/>
-                                      </m:mcPr>
-                                    </m:mc>
-                                  </m:mcs>
-                                  <m:ctrlPr>
-                                    <a:rPr lang="ar-AE" i="1">
-                                      <a:latin typeface="Cambria Math" panose="02040503050406030204" pitchFamily="18" charset="0"/>
-                                    </a:rPr>
-                                  </m:ctrlPr>
-                                </m:mPr>
-                                <m:mr>
-                                  <m:e>
-                                    <m:r>
-                                      <a:rPr lang="ar-AE">
-                                        <a:latin typeface="Cambria Math" panose="02040503050406030204" pitchFamily="18" charset="0"/>
-                                      </a:rPr>
-                                      <m:t>𝑆</m:t>
-                                    </m:r>
-                                  </m:e>
-                                </m:mr>
-                                <m:mr>
-                                  <m:e>
-                                    <m:r>
-                                      <a:rPr lang="ar-AE">
-                                        <a:latin typeface="Cambria Math" panose="02040503050406030204" pitchFamily="18" charset="0"/>
-                                      </a:rPr>
-                                      <m:t>𝐼</m:t>
-                                    </m:r>
-                                  </m:e>
-                                </m:mr>
-                                <m:mr>
-                                  <m:e>
-                                    <m:r>
-                                      <a:rPr lang="ar-AE">
-                                        <a:latin typeface="Cambria Math" panose="02040503050406030204" pitchFamily="18" charset="0"/>
-                                      </a:rPr>
-                                      <m:t>𝑅</m:t>
-                                    </m:r>
-                                  </m:e>
-                                </m:mr>
-                              </m:m>
-                            </m:e>
-                          </m:d>
-                        </m:e>
-                        <m:sub>
-                          <m:r>
-                            <a:rPr lang="ar-AE">
-                              <a:latin typeface="Cambria Math" panose="02040503050406030204" pitchFamily="18" charset="0"/>
-                            </a:rPr>
-                            <m:t>𝑡</m:t>
-                          </m:r>
-                        </m:sub>
-                      </m:sSub>
-                      <m:r>
-                        <a:rPr lang="ar-AE">
-                          <a:latin typeface="Cambria Math" panose="02040503050406030204" pitchFamily="18" charset="0"/>
-                        </a:rPr>
-                        <m:t>+</m:t>
-                      </m:r>
-                      <m:sSub>
-                        <m:sSubPr>
-                          <m:ctrlPr>
-                            <a:rPr lang="ar-AE" i="1">
-                              <a:latin typeface="Cambria Math" panose="02040503050406030204" pitchFamily="18" charset="0"/>
-                            </a:rPr>
-                          </m:ctrlPr>
-                        </m:sSubPr>
-                        <m:e>
-                          <m:d>
-                            <m:dPr>
-                              <m:begChr m:val="["/>
-                              <m:endChr m:val="]"/>
-                              <m:ctrlPr>
-                                <a:rPr lang="ar-AE" i="1">
-                                  <a:latin typeface="Cambria Math" panose="02040503050406030204" pitchFamily="18" charset="0"/>
-                                </a:rPr>
-                              </m:ctrlPr>
-                            </m:dPr>
-                            <m:e>
-                              <m:m>
-                                <m:mPr>
-                                  <m:mcs>
-                                    <m:mc>
-                                      <m:mcPr>
-                                        <m:count m:val="1"/>
-                                        <m:mcJc m:val="center"/>
-                                      </m:mcPr>
-                                    </m:mc>
-                                  </m:mcs>
-                                  <m:ctrlPr>
-                                    <a:rPr lang="ar-AE" i="1">
-                                      <a:latin typeface="Cambria Math" panose="02040503050406030204" pitchFamily="18" charset="0"/>
-                                    </a:rPr>
-                                  </m:ctrlPr>
-                                </m:mPr>
-                                <m:mr>
-                                  <m:e>
-                                    <m:r>
-                                      <a:rPr lang="ar-AE" smtClean="0">
-                                        <a:solidFill>
-                                          <a:srgbClr val="FF0000"/>
-                                        </a:solidFill>
-                                        <a:latin typeface="Cambria Math" panose="02040503050406030204" pitchFamily="18" charset="0"/>
-                                      </a:rPr>
-                                      <m:t>−</m:t>
-                                    </m:r>
-                                    <m:r>
-                                      <a:rPr lang="ar-AE" smtClean="0">
-                                        <a:solidFill>
-                                          <a:srgbClr val="FF0000"/>
-                                        </a:solidFill>
-                                        <a:latin typeface="Cambria Math" panose="02040503050406030204" pitchFamily="18" charset="0"/>
-                                      </a:rPr>
-                                      <m:t>𝛽</m:t>
-                                    </m:r>
-                                    <m:r>
-                                      <a:rPr lang="ar-AE" smtClean="0">
-                                        <a:solidFill>
-                                          <a:srgbClr val="FF0000"/>
-                                        </a:solidFill>
-                                        <a:latin typeface="Cambria Math" panose="02040503050406030204" pitchFamily="18" charset="0"/>
-                                      </a:rPr>
-                                      <m:t>𝑆𝐼</m:t>
-                                    </m:r>
-                                  </m:e>
-                                </m:mr>
-                                <m:mr>
-                                  <m:e>
-                                    <m:r>
-                                      <a:rPr lang="ar-AE" smtClean="0">
-                                        <a:solidFill>
-                                          <a:srgbClr val="FF0000"/>
-                                        </a:solidFill>
-                                        <a:latin typeface="Cambria Math" panose="02040503050406030204" pitchFamily="18" charset="0"/>
-                                      </a:rPr>
-                                      <m:t>𝛽</m:t>
-                                    </m:r>
-                                    <m:r>
-                                      <a:rPr lang="ar-AE" smtClean="0">
-                                        <a:solidFill>
-                                          <a:srgbClr val="FF0000"/>
-                                        </a:solidFill>
-                                        <a:latin typeface="Cambria Math" panose="02040503050406030204" pitchFamily="18" charset="0"/>
-                                      </a:rPr>
-                                      <m:t>𝑆𝐼</m:t>
-                                    </m:r>
-                                    <m:r>
-                                      <a:rPr lang="ar-AE">
-                                        <a:latin typeface="Cambria Math" panose="02040503050406030204" pitchFamily="18" charset="0"/>
-                                      </a:rPr>
-                                      <m:t>−</m:t>
-                                    </m:r>
-                                    <m:r>
-                                      <a:rPr lang="ar-AE" smtClean="0">
-                                        <a:solidFill>
-                                          <a:srgbClr val="0070C0"/>
-                                        </a:solidFill>
-                                        <a:latin typeface="Cambria Math" panose="02040503050406030204" pitchFamily="18" charset="0"/>
-                                      </a:rPr>
-                                      <m:t>𝛾</m:t>
-                                    </m:r>
-                                    <m:r>
-                                      <a:rPr lang="ar-AE" smtClean="0">
-                                        <a:solidFill>
-                                          <a:srgbClr val="0070C0"/>
-                                        </a:solidFill>
-                                        <a:latin typeface="Cambria Math" panose="02040503050406030204" pitchFamily="18" charset="0"/>
-                                      </a:rPr>
-                                      <m:t>𝐼</m:t>
-                                    </m:r>
-                                  </m:e>
-                                </m:mr>
-                                <m:mr>
-                                  <m:e>
-                                    <m:r>
-                                      <a:rPr lang="ar-AE" smtClean="0">
-                                        <a:solidFill>
-                                          <a:srgbClr val="0070C0"/>
-                                        </a:solidFill>
-                                        <a:latin typeface="Cambria Math" panose="02040503050406030204" pitchFamily="18" charset="0"/>
-                                      </a:rPr>
-                                      <m:t>𝛾</m:t>
-                                    </m:r>
-                                    <m:r>
-                                      <a:rPr lang="ar-AE" smtClean="0">
-                                        <a:solidFill>
-                                          <a:srgbClr val="0070C0"/>
-                                        </a:solidFill>
-                                        <a:latin typeface="Cambria Math" panose="02040503050406030204" pitchFamily="18" charset="0"/>
-                                      </a:rPr>
-                                      <m:t>𝐼</m:t>
-                                    </m:r>
-                                  </m:e>
-                                </m:mr>
-                              </m:m>
-                            </m:e>
-                          </m:d>
-                        </m:e>
-                        <m:sub>
-                          <m:r>
-                            <a:rPr lang="ar-AE">
-                              <a:latin typeface="Cambria Math" panose="02040503050406030204" pitchFamily="18" charset="0"/>
-                            </a:rPr>
-                            <m:t>𝑡</m:t>
-                          </m:r>
-                        </m:sub>
-                      </m:sSub>
-                    </m:oMath>
-                  </m:oMathPara>
-                </a14:m>
-                <a:endParaRPr lang="en-GB" dirty="0">
-                  <a:latin typeface="+mn-lt"/>
-                </a:endParaRPr>
-              </a:p>
-              <a:p>
-                <a:pPr marL="342991" lvl="1" indent="0">
-                  <a:buNone/>
-                </a:pPr>
-                <a:endParaRPr lang="en-GB" dirty="0"/>
-              </a:p>
-              <a:p>
-                <a:pPr marL="0" lvl="1" indent="0">
-                  <a:buNone/>
-                </a:pPr>
-                <a:r>
-                  <a:rPr lang="en-GB" dirty="0"/>
-                  <a:t>Here the subscript indicates the time value and the term on the right is our </a:t>
-                </a:r>
-                <a:r>
-                  <a:rPr lang="en-GB" i="1" dirty="0"/>
-                  <a:t>update vector</a:t>
-                </a:r>
-                <a:endParaRPr i="1" dirty="0"/>
-              </a:p>
-            </p:txBody>
-          </p:sp>
-        </mc:Choice>
-        <mc:Fallback xmlns="">
-          <p:sp>
-            <p:nvSpPr>
-              <p:cNvPr id="3" name="Content Placeholder 2"/>
-              <p:cNvSpPr>
-                <a:spLocks noGrp="1" noRot="1" noChangeAspect="1" noMove="1" noResize="1" noEditPoints="1" noAdjustHandles="1" noChangeArrowheads="1" noChangeShapeType="1" noTextEdit="1"/>
-              </p:cNvSpPr>
-              <p:nvPr>
-                <p:ph idx="1" hasCustomPrompt="1"/>
-              </p:nvPr>
-            </p:nvSpPr>
-            <p:spPr>
-              <a:blipFill>
-                <a:blip r:embed="rId2"/>
-                <a:stretch>
-                  <a:fillRect l="-889" t="-759"/>
-                </a:stretch>
-              </a:blipFill>
-            </p:spPr>
-            <p:txBody>
-              <a:bodyPr/>
-              <a:lstStyle/>
-              <a:p>
-                <a:r>
-                  <a:rPr lang="en-GB">
-                    <a:noFill/>
-                  </a:rPr>
-                  <a:t> </a:t>
-                </a:r>
-              </a:p>
-            </p:txBody>
-          </p:sp>
-        </mc:Fallback>
-      </mc:AlternateContent>
-      <p:sp>
-        <p:nvSpPr>
-          <p:cNvPr id="2" name="Slide Number Placeholder 1">
-            <a:extLst>
-              <a:ext uri="{FF2B5EF4-FFF2-40B4-BE49-F238E27FC236}">
-                <a16:creationId xmlns:a16="http://schemas.microsoft.com/office/drawing/2014/main" id="{1AFBD5D8-207F-40A5-96D7-26832638CFD1}"/>
-              </a:ext>
-            </a:extLst>
-          </p:cNvPr>
-          <p:cNvSpPr>
-            <a:spLocks noGrp="1"/>
-          </p:cNvSpPr>
-          <p:nvPr>
-            <p:ph type="sldNum" sz="quarter" idx="4"/>
-          </p:nvPr>
-        </p:nvSpPr>
-        <p:spPr/>
-        <p:txBody>
-          <a:bodyPr/>
-          <a:lstStyle/>
-          <a:p>
-            <a:fld id="{D7E6475D-BDED-4D62-A64C-203EC56ADB6A}" type="slidenum">
-              <a:rPr lang="en-GB" smtClean="0"/>
               <a:t>8</a:t>
             </a:fld>
             <a:endParaRPr lang="en-GB"/>

--- a/slides/Lecture_03_DiscreteDeterministic.pptx
+++ b/slides/Lecture_03_DiscreteDeterministic.pptx
@@ -215,7 +215,7 @@
           <a:p>
             <a:fld id="{0D51ACCD-121E-4361-9E2C-AF07B06B2BA8}" type="datetimeFigureOut">
               <a:rPr lang="en-GB" smtClean="0"/>
-              <a:t>02/09/2024</a:t>
+              <a:t>08/09/2024</a:t>
             </a:fld>
             <a:endParaRPr lang="en-GB"/>
           </a:p>
@@ -2565,8 +2565,8 @@
           </a:p>
         </p:txBody>
       </p:sp>
-      <mc:AlternateContent xmlns:mc="http://schemas.openxmlformats.org/markup-compatibility/2006">
-        <mc:Choice xmlns:a14="http://schemas.microsoft.com/office/drawing/2010/main" Requires="a14">
+      <mc:AlternateContent xmlns:mc="http://schemas.openxmlformats.org/markup-compatibility/2006" xmlns:a14="http://schemas.microsoft.com/office/drawing/2010/main">
+        <mc:Choice Requires="a14">
           <p:sp>
             <p:nvSpPr>
               <p:cNvPr id="3" name="Content Placeholder 2"/>
@@ -2959,7 +2959,7 @@
             </p:txBody>
           </p:sp>
         </mc:Choice>
-        <mc:Fallback>
+        <mc:Fallback xmlns="">
           <p:sp>
             <p:nvSpPr>
               <p:cNvPr id="3" name="Content Placeholder 2"/>
@@ -4110,13 +4110,13 @@
               <a:t> </a:t>
             </a:r>
             <a:r>
-              <a:rPr sz="1600" dirty="0">
+              <a:rPr lang="en-GB" sz="1600" dirty="0">
                 <a:solidFill>
                   <a:srgbClr val="40A070"/>
                 </a:solidFill>
                 <a:latin typeface="Courier"/>
               </a:rPr>
-              <a:t>1</a:t>
+              <a:t>2</a:t>
             </a:r>
             <a:r>
               <a:rPr sz="1600" dirty="0">
@@ -4158,40 +4158,7 @@
               <a:rPr sz="1600" dirty="0">
                 <a:latin typeface="Courier"/>
               </a:rPr>
-              <a:t>) </a:t>
-            </a:r>
-            <a:r>
-              <a:rPr sz="1600" dirty="0">
-                <a:solidFill>
-                  <a:srgbClr val="666666"/>
-                </a:solidFill>
-                <a:latin typeface="Courier"/>
-              </a:rPr>
-              <a:t>-</a:t>
-            </a:r>
-            <a:r>
-              <a:rPr sz="1600" dirty="0">
-                <a:solidFill>
-                  <a:srgbClr val="4070A0"/>
-                </a:solidFill>
-                <a:latin typeface="Courier"/>
-              </a:rPr>
-              <a:t> </a:t>
-            </a:r>
-            <a:r>
-              <a:rPr sz="1600" dirty="0">
-                <a:solidFill>
-                  <a:srgbClr val="40A070"/>
-                </a:solidFill>
-                <a:latin typeface="Courier"/>
-              </a:rPr>
-              <a:t>1</a:t>
-            </a:r>
-            <a:r>
-              <a:rPr sz="1600" dirty="0">
-                <a:latin typeface="Courier"/>
-              </a:rPr>
-              <a:t>)){</a:t>
+              <a:t>))){</a:t>
             </a:r>
             <a:endParaRPr lang="en-GB" sz="1600" dirty="0">
               <a:latin typeface="Courier"/>
@@ -4225,16 +4192,82 @@
               <a:t>[</a:t>
             </a:r>
             <a:r>
+              <a:rPr sz="1600">
+                <a:latin typeface="Courier"/>
+              </a:rPr>
+              <a:t>i,] </a:t>
+            </a:r>
+            <a:r>
+              <a:rPr sz="1600" dirty="0">
+                <a:latin typeface="Courier"/>
+              </a:rPr>
+              <a:t>&lt;-</a:t>
+            </a:r>
+            <a:r>
+              <a:rPr sz="1600" dirty="0">
+                <a:solidFill>
+                  <a:srgbClr val="4070A0"/>
+                </a:solidFill>
+                <a:latin typeface="Courier"/>
+              </a:rPr>
+              <a:t> </a:t>
+            </a:r>
+            <a:r>
               <a:rPr sz="1600" dirty="0" err="1">
                 <a:latin typeface="Courier"/>
               </a:rPr>
+              <a:t>y_sir</a:t>
+            </a:r>
+            <a:r>
+              <a:rPr sz="1600" dirty="0">
+                <a:latin typeface="Courier"/>
+              </a:rPr>
+              <a:t>[</a:t>
+            </a:r>
+            <a:r>
+              <a:rPr lang="en-GB" sz="1600" dirty="0" err="1">
+                <a:latin typeface="Courier"/>
+              </a:rPr>
               <a:t>i</a:t>
             </a:r>
             <a:r>
+              <a:rPr lang="en-GB" sz="1600" dirty="0">
+                <a:latin typeface="Courier"/>
+              </a:rPr>
+              <a:t> </a:t>
+            </a:r>
+            <a:r>
+              <a:rPr lang="en-GB" sz="1600" dirty="0">
+                <a:solidFill>
+                  <a:srgbClr val="666666"/>
+                </a:solidFill>
+                <a:latin typeface="Courier"/>
+              </a:rPr>
+              <a:t>-</a:t>
+            </a:r>
+            <a:r>
+              <a:rPr lang="en-GB" sz="1600" dirty="0">
+                <a:solidFill>
+                  <a:srgbClr val="4070A0"/>
+                </a:solidFill>
+                <a:latin typeface="Courier"/>
+              </a:rPr>
+              <a:t> </a:t>
+            </a:r>
+            <a:r>
+              <a:rPr lang="en-GB" sz="1600" dirty="0">
+                <a:solidFill>
+                  <a:srgbClr val="40A070"/>
+                </a:solidFill>
+                <a:latin typeface="Courier"/>
+              </a:rPr>
+              <a:t>1</a:t>
+            </a:r>
+            <a:r>
               <a:rPr sz="1600" dirty="0">
                 <a:latin typeface="Courier"/>
               </a:rPr>
-              <a:t> </a:t>
+              <a:t>,] </a:t>
             </a:r>
             <a:r>
               <a:rPr sz="1600" dirty="0">
@@ -4245,6 +4278,11 @@
               </a:rPr>
               <a:t>+</a:t>
             </a:r>
+            <a:br>
+              <a:rPr sz="1600" dirty="0">
+                <a:latin typeface="Courier"/>
+              </a:rPr>
+            </a:br>
             <a:r>
               <a:rPr sz="1600" dirty="0">
                 <a:solidFill>
@@ -4252,77 +4290,6 @@
                 </a:solidFill>
                 <a:latin typeface="Courier"/>
               </a:rPr>
-              <a:t> </a:t>
-            </a:r>
-            <a:r>
-              <a:rPr sz="1600" dirty="0">
-                <a:solidFill>
-                  <a:srgbClr val="40A070"/>
-                </a:solidFill>
-                <a:latin typeface="Courier"/>
-              </a:rPr>
-              <a:t>1</a:t>
-            </a:r>
-            <a:r>
-              <a:rPr sz="1600" dirty="0">
-                <a:latin typeface="Courier"/>
-              </a:rPr>
-              <a:t>,] &lt;-</a:t>
-            </a:r>
-            <a:r>
-              <a:rPr sz="1600" dirty="0">
-                <a:solidFill>
-                  <a:srgbClr val="4070A0"/>
-                </a:solidFill>
-                <a:latin typeface="Courier"/>
-              </a:rPr>
-              <a:t> </a:t>
-            </a:r>
-            <a:r>
-              <a:rPr sz="1600" dirty="0" err="1">
-                <a:latin typeface="Courier"/>
-              </a:rPr>
-              <a:t>y_sir</a:t>
-            </a:r>
-            <a:r>
-              <a:rPr sz="1600" dirty="0">
-                <a:latin typeface="Courier"/>
-              </a:rPr>
-              <a:t>[</a:t>
-            </a:r>
-            <a:r>
-              <a:rPr sz="1600" dirty="0" err="1">
-                <a:latin typeface="Courier"/>
-              </a:rPr>
-              <a:t>i</a:t>
-            </a:r>
-            <a:r>
-              <a:rPr sz="1600" dirty="0">
-                <a:latin typeface="Courier"/>
-              </a:rPr>
-              <a:t>,] </a:t>
-            </a:r>
-            <a:r>
-              <a:rPr sz="1600" dirty="0">
-                <a:solidFill>
-                  <a:srgbClr val="666666"/>
-                </a:solidFill>
-                <a:latin typeface="Courier"/>
-              </a:rPr>
-              <a:t>+</a:t>
-            </a:r>
-            <a:br>
-              <a:rPr sz="1600" dirty="0">
-                <a:latin typeface="Courier"/>
-              </a:rPr>
-            </a:br>
-            <a:r>
-              <a:rPr sz="1600" dirty="0">
-                <a:solidFill>
-                  <a:srgbClr val="4070A0"/>
-                </a:solidFill>
-                <a:latin typeface="Courier"/>
-              </a:rPr>
               <a:t>    </a:t>
             </a:r>
             <a:r>
@@ -4359,28 +4326,69 @@
               <a:t>[</a:t>
             </a:r>
             <a:r>
+              <a:rPr lang="en-GB" sz="1600" dirty="0" err="1">
+                <a:latin typeface="Courier"/>
+              </a:rPr>
+              <a:t>i</a:t>
+            </a:r>
+            <a:r>
+              <a:rPr sz="1600" dirty="0">
+                <a:latin typeface="Courier"/>
+              </a:rPr>
+              <a:t>],</a:t>
+            </a:r>
+            <a:br>
+              <a:rPr sz="1600" dirty="0">
+                <a:latin typeface="Courier"/>
+              </a:rPr>
+            </a:br>
+            <a:r>
+              <a:rPr sz="1600" dirty="0">
+                <a:latin typeface="Courier"/>
+              </a:rPr>
+              <a:t>               </a:t>
+            </a:r>
+            <a:r>
+              <a:rPr lang="en-GB" sz="1600" dirty="0">
+                <a:latin typeface="Courier"/>
+              </a:rPr>
+              <a:t>y     = </a:t>
+            </a:r>
+            <a:r>
               <a:rPr sz="1600" dirty="0" err="1">
                 <a:latin typeface="Courier"/>
               </a:rPr>
+              <a:t>y_sir</a:t>
+            </a:r>
+            <a:r>
+              <a:rPr sz="1600" dirty="0">
+                <a:latin typeface="Courier"/>
+              </a:rPr>
+              <a:t>[</a:t>
+            </a:r>
+            <a:r>
+              <a:rPr lang="en-GB" sz="1600" dirty="0" err="1">
+                <a:latin typeface="Courier"/>
+              </a:rPr>
               <a:t>i</a:t>
             </a:r>
             <a:r>
-              <a:rPr sz="1600" dirty="0">
+              <a:rPr lang="en-GB" sz="1600" dirty="0">
                 <a:latin typeface="Courier"/>
               </a:rPr>
               <a:t> </a:t>
             </a:r>
             <a:r>
-              <a:rPr sz="1600" dirty="0">
+              <a:rPr lang="en-GB" sz="1600" dirty="0">
                 <a:solidFill>
                   <a:srgbClr val="666666"/>
                 </a:solidFill>
                 <a:latin typeface="Courier"/>
               </a:rPr>
-              <a:t>+</a:t>
-            </a:r>
-            <a:r>
-              <a:rPr sz="1600" dirty="0">
+              <a:t>-</a:t>
+            </a:r>
+            <a:r>
+              <a:rPr lang="en-GB" sz="1600" dirty="0">
                 <a:solidFill>
                   <a:srgbClr val="4070A0"/>
                 </a:solidFill>
@@ -4389,54 +4397,13 @@
               <a:t> </a:t>
             </a:r>
             <a:r>
-              <a:rPr sz="1600" dirty="0">
+              <a:rPr lang="en-GB" sz="1600" dirty="0">
                 <a:solidFill>
                   <a:srgbClr val="40A070"/>
                 </a:solidFill>
                 <a:latin typeface="Courier"/>
               </a:rPr>
               <a:t>1</a:t>
-            </a:r>
-            <a:r>
-              <a:rPr sz="1600" dirty="0">
-                <a:latin typeface="Courier"/>
-              </a:rPr>
-              <a:t>],</a:t>
-            </a:r>
-            <a:br>
-              <a:rPr sz="1600" dirty="0">
-                <a:latin typeface="Courier"/>
-              </a:rPr>
-            </a:br>
-            <a:r>
-              <a:rPr sz="1600" dirty="0">
-                <a:latin typeface="Courier"/>
-              </a:rPr>
-              <a:t>               </a:t>
-            </a:r>
-            <a:r>
-              <a:rPr lang="en-GB" sz="1600" dirty="0">
-                <a:latin typeface="Courier"/>
-              </a:rPr>
-              <a:t>y     = </a:t>
-            </a:r>
-            <a:r>
-              <a:rPr sz="1600" dirty="0" err="1">
-                <a:latin typeface="Courier"/>
-              </a:rPr>
-              <a:t>y_sir</a:t>
-            </a:r>
-            <a:r>
-              <a:rPr sz="1600" dirty="0">
-                <a:latin typeface="Courier"/>
-              </a:rPr>
-              <a:t>[</a:t>
-            </a:r>
-            <a:r>
-              <a:rPr sz="1600" dirty="0" err="1">
-                <a:latin typeface="Courier"/>
-              </a:rPr>
-              <a:t>i</a:t>
             </a:r>
             <a:r>
               <a:rPr sz="1600" dirty="0">
@@ -5501,8 +5468,8 @@
           </a:p>
         </p:txBody>
       </p:sp>
-      <mc:AlternateContent xmlns:mc="http://schemas.openxmlformats.org/markup-compatibility/2006">
-        <mc:Choice xmlns:a14="http://schemas.microsoft.com/office/drawing/2010/main" Requires="a14">
+      <mc:AlternateContent xmlns:mc="http://schemas.openxmlformats.org/markup-compatibility/2006" xmlns:a14="http://schemas.microsoft.com/office/drawing/2010/main">
+        <mc:Choice Requires="a14">
           <p:sp>
             <p:nvSpPr>
               <p:cNvPr id="3" name="Content Placeholder 2"/>
@@ -5904,7 +5871,7 @@
             </p:txBody>
           </p:sp>
         </mc:Choice>
-        <mc:Fallback>
+        <mc:Fallback xmlns="">
           <p:sp>
             <p:nvSpPr>
               <p:cNvPr id="3" name="Content Placeholder 2"/>
@@ -7692,8 +7659,8 @@
           </a:p>
         </p:txBody>
       </p:sp>
-      <mc:AlternateContent xmlns:mc="http://schemas.openxmlformats.org/markup-compatibility/2006">
-        <mc:Choice xmlns:a14="http://schemas.microsoft.com/office/drawing/2010/main" Requires="a14">
+      <mc:AlternateContent xmlns:mc="http://schemas.openxmlformats.org/markup-compatibility/2006" xmlns:a14="http://schemas.microsoft.com/office/drawing/2010/main">
+        <mc:Choice Requires="a14">
           <p:sp>
             <p:nvSpPr>
               <p:cNvPr id="3" name="Content Placeholder 2"/>
@@ -8044,7 +8011,7 @@
             </p:txBody>
           </p:sp>
         </mc:Choice>
-        <mc:Fallback>
+        <mc:Fallback xmlns="">
           <p:sp>
             <p:nvSpPr>
               <p:cNvPr id="3" name="Content Placeholder 2"/>
@@ -8629,8 +8596,8 @@
           </a:p>
         </p:txBody>
       </p:sp>
-      <mc:AlternateContent xmlns:mc="http://schemas.openxmlformats.org/markup-compatibility/2006">
-        <mc:Choice xmlns:a14="http://schemas.microsoft.com/office/drawing/2010/main" Requires="a14">
+      <mc:AlternateContent xmlns:mc="http://schemas.openxmlformats.org/markup-compatibility/2006" xmlns:a14="http://schemas.microsoft.com/office/drawing/2010/main">
+        <mc:Choice Requires="a14">
           <p:sp>
             <p:nvSpPr>
               <p:cNvPr id="3" name="Content Placeholder 2"/>
@@ -8881,7 +8848,7 @@
             </p:txBody>
           </p:sp>
         </mc:Choice>
-        <mc:Fallback>
+        <mc:Fallback xmlns="">
           <p:sp>
             <p:nvSpPr>
               <p:cNvPr id="3" name="Content Placeholder 2"/>
@@ -9001,8 +8968,8 @@
           </a:p>
         </p:txBody>
       </p:sp>
-      <mc:AlternateContent xmlns:mc="http://schemas.openxmlformats.org/markup-compatibility/2006">
-        <mc:Choice xmlns:a14="http://schemas.microsoft.com/office/drawing/2010/main" Requires="a14">
+      <mc:AlternateContent xmlns:mc="http://schemas.openxmlformats.org/markup-compatibility/2006" xmlns:a14="http://schemas.microsoft.com/office/drawing/2010/main">
+        <mc:Choice Requires="a14">
           <p:sp>
             <p:nvSpPr>
               <p:cNvPr id="3" name="Content Placeholder 2"/>
@@ -9348,7 +9315,7 @@
             </p:txBody>
           </p:sp>
         </mc:Choice>
-        <mc:Fallback>
+        <mc:Fallback xmlns="">
           <p:sp>
             <p:nvSpPr>
               <p:cNvPr id="3" name="Content Placeholder 2"/>
